--- a/Slides/slides_asad_f13.pptx
+++ b/Slides/slides_asad_f13.pptx
@@ -5,10 +5,10 @@
     <p:sldMasterId id="2147483648" r:id="rId1"/>
   </p:sldMasterIdLst>
   <p:notesMasterIdLst>
-    <p:notesMasterId r:id="rId131"/>
+    <p:notesMasterId r:id="rId132"/>
   </p:notesMasterIdLst>
   <p:handoutMasterIdLst>
-    <p:handoutMasterId r:id="rId132"/>
+    <p:handoutMasterId r:id="rId133"/>
   </p:handoutMasterIdLst>
   <p:sldIdLst>
     <p:sldId id="256" r:id="rId2"/>
@@ -89,57 +89,58 @@
     <p:sldId id="432" r:id="rId77"/>
     <p:sldId id="433" r:id="rId78"/>
     <p:sldId id="515" r:id="rId79"/>
-    <p:sldId id="516" r:id="rId80"/>
-    <p:sldId id="434" r:id="rId81"/>
-    <p:sldId id="437" r:id="rId82"/>
-    <p:sldId id="435" r:id="rId83"/>
-    <p:sldId id="436" r:id="rId84"/>
-    <p:sldId id="517" r:id="rId85"/>
-    <p:sldId id="490" r:id="rId86"/>
-    <p:sldId id="446" r:id="rId87"/>
-    <p:sldId id="444" r:id="rId88"/>
-    <p:sldId id="441" r:id="rId89"/>
-    <p:sldId id="440" r:id="rId90"/>
-    <p:sldId id="482" r:id="rId91"/>
-    <p:sldId id="447" r:id="rId92"/>
-    <p:sldId id="451" r:id="rId93"/>
-    <p:sldId id="450" r:id="rId94"/>
-    <p:sldId id="452" r:id="rId95"/>
-    <p:sldId id="453" r:id="rId96"/>
-    <p:sldId id="454" r:id="rId97"/>
-    <p:sldId id="455" r:id="rId98"/>
-    <p:sldId id="456" r:id="rId99"/>
-    <p:sldId id="457" r:id="rId100"/>
-    <p:sldId id="459" r:id="rId101"/>
-    <p:sldId id="460" r:id="rId102"/>
-    <p:sldId id="458" r:id="rId103"/>
-    <p:sldId id="461" r:id="rId104"/>
-    <p:sldId id="462" r:id="rId105"/>
-    <p:sldId id="464" r:id="rId106"/>
-    <p:sldId id="465" r:id="rId107"/>
-    <p:sldId id="463" r:id="rId108"/>
-    <p:sldId id="466" r:id="rId109"/>
-    <p:sldId id="467" r:id="rId110"/>
-    <p:sldId id="468" r:id="rId111"/>
-    <p:sldId id="505" r:id="rId112"/>
-    <p:sldId id="443" r:id="rId113"/>
-    <p:sldId id="469" r:id="rId114"/>
-    <p:sldId id="474" r:id="rId115"/>
-    <p:sldId id="473" r:id="rId116"/>
-    <p:sldId id="476" r:id="rId117"/>
-    <p:sldId id="489" r:id="rId118"/>
-    <p:sldId id="475" r:id="rId119"/>
-    <p:sldId id="486" r:id="rId120"/>
-    <p:sldId id="487" r:id="rId121"/>
-    <p:sldId id="488" r:id="rId122"/>
-    <p:sldId id="480" r:id="rId123"/>
-    <p:sldId id="472" r:id="rId124"/>
-    <p:sldId id="478" r:id="rId125"/>
-    <p:sldId id="502" r:id="rId126"/>
-    <p:sldId id="503" r:id="rId127"/>
-    <p:sldId id="504" r:id="rId128"/>
-    <p:sldId id="438" r:id="rId129"/>
-    <p:sldId id="481" r:id="rId130"/>
+    <p:sldId id="526" r:id="rId80"/>
+    <p:sldId id="516" r:id="rId81"/>
+    <p:sldId id="434" r:id="rId82"/>
+    <p:sldId id="437" r:id="rId83"/>
+    <p:sldId id="435" r:id="rId84"/>
+    <p:sldId id="436" r:id="rId85"/>
+    <p:sldId id="517" r:id="rId86"/>
+    <p:sldId id="490" r:id="rId87"/>
+    <p:sldId id="446" r:id="rId88"/>
+    <p:sldId id="444" r:id="rId89"/>
+    <p:sldId id="441" r:id="rId90"/>
+    <p:sldId id="440" r:id="rId91"/>
+    <p:sldId id="482" r:id="rId92"/>
+    <p:sldId id="447" r:id="rId93"/>
+    <p:sldId id="451" r:id="rId94"/>
+    <p:sldId id="450" r:id="rId95"/>
+    <p:sldId id="452" r:id="rId96"/>
+    <p:sldId id="453" r:id="rId97"/>
+    <p:sldId id="454" r:id="rId98"/>
+    <p:sldId id="455" r:id="rId99"/>
+    <p:sldId id="456" r:id="rId100"/>
+    <p:sldId id="457" r:id="rId101"/>
+    <p:sldId id="459" r:id="rId102"/>
+    <p:sldId id="460" r:id="rId103"/>
+    <p:sldId id="458" r:id="rId104"/>
+    <p:sldId id="461" r:id="rId105"/>
+    <p:sldId id="462" r:id="rId106"/>
+    <p:sldId id="464" r:id="rId107"/>
+    <p:sldId id="465" r:id="rId108"/>
+    <p:sldId id="463" r:id="rId109"/>
+    <p:sldId id="466" r:id="rId110"/>
+    <p:sldId id="467" r:id="rId111"/>
+    <p:sldId id="468" r:id="rId112"/>
+    <p:sldId id="505" r:id="rId113"/>
+    <p:sldId id="443" r:id="rId114"/>
+    <p:sldId id="469" r:id="rId115"/>
+    <p:sldId id="474" r:id="rId116"/>
+    <p:sldId id="473" r:id="rId117"/>
+    <p:sldId id="476" r:id="rId118"/>
+    <p:sldId id="489" r:id="rId119"/>
+    <p:sldId id="475" r:id="rId120"/>
+    <p:sldId id="486" r:id="rId121"/>
+    <p:sldId id="487" r:id="rId122"/>
+    <p:sldId id="488" r:id="rId123"/>
+    <p:sldId id="480" r:id="rId124"/>
+    <p:sldId id="472" r:id="rId125"/>
+    <p:sldId id="478" r:id="rId126"/>
+    <p:sldId id="502" r:id="rId127"/>
+    <p:sldId id="503" r:id="rId128"/>
+    <p:sldId id="504" r:id="rId129"/>
+    <p:sldId id="438" r:id="rId130"/>
+    <p:sldId id="481" r:id="rId131"/>
   </p:sldIdLst>
   <p:sldSz cx="9144000" cy="6858000" type="screen4x3"/>
   <p:notesSz cx="7099300" cy="10234613"/>
@@ -270,7 +271,7 @@
   </p:defaultTextStyle>
   <p:extLst>
     <p:ext uri="{EFAFB233-063F-42B5-8137-9DF3F51BA10A}">
-      <p15:sldGuideLst xmlns:p15="http://schemas.microsoft.com/office/powerpoint/2012/main">
+      <p15:sldGuideLst xmlns:p15="http://schemas.microsoft.com/office/powerpoint/2012/main" xmlns="">
         <p15:guide id="1" orient="horz" pos="2160">
           <p15:clr>
             <a:srgbClr val="A4A3A4"/>
@@ -1621,11 +1622,11 @@
           <c:showPercent val="0"/>
           <c:showBubbleSize val="0"/>
         </c:dLbls>
-        <c:axId val="262168008"/>
-        <c:axId val="262168400"/>
+        <c:axId val="80591488"/>
+        <c:axId val="80601856"/>
       </c:scatterChart>
       <c:valAx>
-        <c:axId val="262168008"/>
+        <c:axId val="80591488"/>
         <c:scaling>
           <c:orientation val="minMax"/>
         </c:scaling>
@@ -1635,12 +1636,12 @@
         <c:majorTickMark val="out"/>
         <c:minorTickMark val="none"/>
         <c:tickLblPos val="nextTo"/>
-        <c:crossAx val="262168400"/>
+        <c:crossAx val="80601856"/>
         <c:crossesAt val="0"/>
         <c:crossBetween val="midCat"/>
       </c:valAx>
       <c:valAx>
-        <c:axId val="262168400"/>
+        <c:axId val="80601856"/>
         <c:scaling>
           <c:orientation val="minMax"/>
         </c:scaling>
@@ -1651,7 +1652,7 @@
         <c:majorTickMark val="out"/>
         <c:minorTickMark val="none"/>
         <c:tickLblPos val="low"/>
-        <c:crossAx val="262168008"/>
+        <c:crossAx val="80591488"/>
         <c:crosses val="autoZero"/>
         <c:crossBetween val="midCat"/>
       </c:valAx>
@@ -6653,6 +6654,163 @@
       </p:grpSpPr>
       <p:sp>
         <p:nvSpPr>
+          <p:cNvPr id="24578" name="Rectangle 2"/>
+          <p:cNvSpPr>
+            <a:spLocks noGrp="1" noChangeArrowheads="1"/>
+          </p:cNvSpPr>
+          <p:nvPr>
+            <p:ph type="title"/>
+          </p:nvPr>
+        </p:nvSpPr>
+        <p:spPr/>
+        <p:txBody>
+          <a:bodyPr/>
+          <a:lstStyle/>
+          <a:p>
+            <a:pPr algn="l" eaLnBrk="1" hangingPunct="1"/>
+            <a:r>
+              <a:rPr lang="en-US" dirty="0" smtClean="0"/>
+              <a:t>Policy goals and responses </a:t>
+            </a:r>
+          </a:p>
+        </p:txBody>
+      </p:sp>
+      <p:sp>
+        <p:nvSpPr>
+          <p:cNvPr id="24579" name="Rectangle 3"/>
+          <p:cNvSpPr>
+            <a:spLocks noGrp="1" noChangeArrowheads="1"/>
+          </p:cNvSpPr>
+          <p:nvPr>
+            <p:ph type="body" idx="1"/>
+          </p:nvPr>
+        </p:nvSpPr>
+        <p:spPr>
+          <a:xfrm>
+            <a:off x="457200" y="1524000"/>
+            <a:ext cx="8458200" cy="4525963"/>
+          </a:xfrm>
+        </p:spPr>
+        <p:txBody>
+          <a:bodyPr/>
+          <a:lstStyle/>
+          <a:p>
+            <a:pPr eaLnBrk="1" hangingPunct="1">
+              <a:spcBef>
+                <a:spcPct val="50000"/>
+              </a:spcBef>
+            </a:pPr>
+            <a:r>
+              <a:rPr lang="en-US" sz="2400" dirty="0" smtClean="0"/>
+              <a:t>Now do the same thing with supply shifts</a:t>
+            </a:r>
+          </a:p>
+          <a:p>
+            <a:pPr eaLnBrk="1" hangingPunct="1">
+              <a:spcBef>
+                <a:spcPct val="50000"/>
+              </a:spcBef>
+            </a:pPr>
+            <a:r>
+              <a:rPr lang="en-US" sz="2400" dirty="0" smtClean="0"/>
+              <a:t>Same logic, but keep your eyes open for something new </a:t>
+            </a:r>
+          </a:p>
+          <a:p>
+            <a:pPr eaLnBrk="1" hangingPunct="1">
+              <a:spcBef>
+                <a:spcPct val="50000"/>
+              </a:spcBef>
+            </a:pPr>
+            <a:r>
+              <a:rPr lang="en-US" sz="2400" dirty="0" smtClean="0"/>
+              <a:t>What happens if supply shifts right? </a:t>
+            </a:r>
+          </a:p>
+          <a:p>
+            <a:pPr lvl="1" eaLnBrk="1" hangingPunct="1">
+              <a:spcBef>
+                <a:spcPct val="50000"/>
+              </a:spcBef>
+            </a:pPr>
+            <a:r>
+              <a:rPr lang="en-US" sz="2000" dirty="0" smtClean="0"/>
+              <a:t>What might do this?  </a:t>
+            </a:r>
+          </a:p>
+          <a:p>
+            <a:pPr lvl="1" eaLnBrk="1" hangingPunct="1">
+              <a:spcBef>
+                <a:spcPct val="50000"/>
+              </a:spcBef>
+            </a:pPr>
+            <a:r>
+              <a:rPr lang="en-US" sz="2000" dirty="0" smtClean="0"/>
+              <a:t>Are things better or worse? </a:t>
+            </a:r>
+          </a:p>
+        </p:txBody>
+      </p:sp>
+      <p:sp>
+        <p:nvSpPr>
+          <p:cNvPr id="24580" name="Slide Number Placeholder 5"/>
+          <p:cNvSpPr>
+            <a:spLocks noGrp="1"/>
+          </p:cNvSpPr>
+          <p:nvPr>
+            <p:ph type="sldNum" sz="quarter" idx="12"/>
+          </p:nvPr>
+        </p:nvSpPr>
+        <p:spPr>
+          <a:noFill/>
+        </p:spPr>
+        <p:txBody>
+          <a:bodyPr/>
+          <a:lstStyle/>
+          <a:p>
+            <a:fld id="{DB112A8C-B14B-43CD-A323-93992F50384C}" type="slidenum">
+              <a:rPr lang="en-US" smtClean="0"/>
+              <a:pPr/>
+              <a:t>100</a:t>
+            </a:fld>
+            <a:endParaRPr lang="en-US" smtClean="0"/>
+          </a:p>
+        </p:txBody>
+      </p:sp>
+    </p:spTree>
+  </p:cSld>
+  <p:clrMapOvr>
+    <a:masterClrMapping/>
+  </p:clrMapOvr>
+  <p:timing>
+    <p:tnLst>
+      <p:par>
+        <p:cTn id="1" dur="indefinite" restart="never" nodeType="tmRoot"/>
+      </p:par>
+    </p:tnLst>
+  </p:timing>
+</p:sld>
+</file>
+
+<file path=ppt/slides/slide101.xml><?xml version="1.0" encoding="utf-8"?>
+<p:sld xmlns:a="http://schemas.openxmlformats.org/drawingml/2006/main" xmlns:r="http://schemas.openxmlformats.org/officeDocument/2006/relationships" xmlns:p="http://schemas.openxmlformats.org/presentationml/2006/main">
+  <p:cSld>
+    <p:spTree>
+      <p:nvGrpSpPr>
+        <p:cNvPr id="1" name=""/>
+        <p:cNvGrpSpPr/>
+        <p:nvPr/>
+      </p:nvGrpSpPr>
+      <p:grpSpPr>
+        <a:xfrm>
+          <a:off x="0" y="0"/>
+          <a:ext cx="0" cy="0"/>
+          <a:chOff x="0" y="0"/>
+          <a:chExt cx="0" cy="0"/>
+        </a:xfrm>
+      </p:grpSpPr>
+      <p:sp>
+        <p:nvSpPr>
           <p:cNvPr id="13314" name="Rectangle 2"/>
           <p:cNvSpPr>
             <a:spLocks noGrp="1" noChangeArrowheads="1"/>
@@ -7034,7 +7192,7 @@
             <a:fld id="{5AF8520D-FA92-48BB-845A-2C60C26CC1F7}" type="slidenum">
               <a:rPr lang="en-US" smtClean="0"/>
               <a:pPr/>
-              <a:t>100</a:t>
+              <a:t>101</a:t>
             </a:fld>
             <a:endParaRPr lang="en-US" smtClean="0"/>
           </a:p>
@@ -7389,7 +7547,7 @@
 </p:sld>
 </file>
 
-<file path=ppt/slides/slide101.xml><?xml version="1.0" encoding="utf-8"?>
+<file path=ppt/slides/slide102.xml><?xml version="1.0" encoding="utf-8"?>
 <p:sld xmlns:a="http://schemas.openxmlformats.org/drawingml/2006/main" xmlns:r="http://schemas.openxmlformats.org/officeDocument/2006/relationships" xmlns:p="http://schemas.openxmlformats.org/presentationml/2006/main">
   <p:cSld>
     <p:spTree>
@@ -7503,7 +7661,7 @@
             <a:fld id="{DB112A8C-B14B-43CD-A323-93992F50384C}" type="slidenum">
               <a:rPr lang="en-US" smtClean="0"/>
               <a:pPr/>
-              <a:t>101</a:t>
+              <a:t>102</a:t>
             </a:fld>
             <a:endParaRPr lang="en-US" smtClean="0"/>
           </a:p>
@@ -7524,7 +7682,7 @@
 </p:sld>
 </file>
 
-<file path=ppt/slides/slide102.xml><?xml version="1.0" encoding="utf-8"?>
+<file path=ppt/slides/slide103.xml><?xml version="1.0" encoding="utf-8"?>
 <p:sld xmlns:a="http://schemas.openxmlformats.org/drawingml/2006/main" xmlns:r="http://schemas.openxmlformats.org/officeDocument/2006/relationships" xmlns:p="http://schemas.openxmlformats.org/presentationml/2006/main">
   <p:cSld>
     <p:spTree>
@@ -7924,7 +8082,7 @@
             <a:fld id="{5AF8520D-FA92-48BB-845A-2C60C26CC1F7}" type="slidenum">
               <a:rPr lang="en-US" smtClean="0"/>
               <a:pPr/>
-              <a:t>102</a:t>
+              <a:t>103</a:t>
             </a:fld>
             <a:endParaRPr lang="en-US" smtClean="0"/>
           </a:p>
@@ -8279,7 +8437,7 @@
 </p:sld>
 </file>
 
-<file path=ppt/slides/slide103.xml><?xml version="1.0" encoding="utf-8"?>
+<file path=ppt/slides/slide104.xml><?xml version="1.0" encoding="utf-8"?>
 <p:sld xmlns:a="http://schemas.openxmlformats.org/drawingml/2006/main" xmlns:r="http://schemas.openxmlformats.org/officeDocument/2006/relationships" xmlns:p="http://schemas.openxmlformats.org/presentationml/2006/main">
   <p:cSld>
     <p:spTree>
@@ -8426,7 +8584,7 @@
             <a:fld id="{DB112A8C-B14B-43CD-A323-93992F50384C}" type="slidenum">
               <a:rPr lang="en-US" smtClean="0"/>
               <a:pPr/>
-              <a:t>103</a:t>
+              <a:t>104</a:t>
             </a:fld>
             <a:endParaRPr lang="en-US" smtClean="0"/>
           </a:p>
@@ -8447,7 +8605,7 @@
 </p:sld>
 </file>
 
-<file path=ppt/slides/slide104.xml><?xml version="1.0" encoding="utf-8"?>
+<file path=ppt/slides/slide105.xml><?xml version="1.0" encoding="utf-8"?>
 <p:sld xmlns:a="http://schemas.openxmlformats.org/drawingml/2006/main" xmlns:r="http://schemas.openxmlformats.org/officeDocument/2006/relationships" xmlns:p="http://schemas.openxmlformats.org/presentationml/2006/main">
   <p:cSld>
     <p:spTree>
@@ -8847,7 +9005,7 @@
             <a:fld id="{5AF8520D-FA92-48BB-845A-2C60C26CC1F7}" type="slidenum">
               <a:rPr lang="en-US" smtClean="0"/>
               <a:pPr/>
-              <a:t>104</a:t>
+              <a:t>105</a:t>
             </a:fld>
             <a:endParaRPr lang="en-US" smtClean="0"/>
           </a:p>
@@ -9207,7 +9365,7 @@
 </p:sld>
 </file>
 
-<file path=ppt/slides/slide105.xml><?xml version="1.0" encoding="utf-8"?>
+<file path=ppt/slides/slide106.xml><?xml version="1.0" encoding="utf-8"?>
 <p:sld xmlns:a="http://schemas.openxmlformats.org/drawingml/2006/main" xmlns:r="http://schemas.openxmlformats.org/officeDocument/2006/relationships" xmlns:p="http://schemas.openxmlformats.org/presentationml/2006/main">
   <p:cSld>
     <p:spTree>
@@ -9607,7 +9765,7 @@
             <a:fld id="{5AF8520D-FA92-48BB-845A-2C60C26CC1F7}" type="slidenum">
               <a:rPr lang="en-US" smtClean="0"/>
               <a:pPr/>
-              <a:t>105</a:t>
+              <a:t>106</a:t>
             </a:fld>
             <a:endParaRPr lang="en-US" smtClean="0"/>
           </a:p>
@@ -10083,7 +10241,7 @@
 </p:sld>
 </file>
 
-<file path=ppt/slides/slide106.xml><?xml version="1.0" encoding="utf-8"?>
+<file path=ppt/slides/slide107.xml><?xml version="1.0" encoding="utf-8"?>
 <p:sld xmlns:a="http://schemas.openxmlformats.org/drawingml/2006/main" xmlns:r="http://schemas.openxmlformats.org/officeDocument/2006/relationships" xmlns:p="http://schemas.openxmlformats.org/presentationml/2006/main">
   <p:cSld>
     <p:spTree>
@@ -10202,7 +10360,7 @@
             <a:fld id="{DB112A8C-B14B-43CD-A323-93992F50384C}" type="slidenum">
               <a:rPr lang="en-US" smtClean="0"/>
               <a:pPr/>
-              <a:t>106</a:t>
+              <a:t>107</a:t>
             </a:fld>
             <a:endParaRPr lang="en-US" smtClean="0"/>
           </a:p>
@@ -10223,7 +10381,7 @@
 </p:sld>
 </file>
 
-<file path=ppt/slides/slide107.xml><?xml version="1.0" encoding="utf-8"?>
+<file path=ppt/slides/slide108.xml><?xml version="1.0" encoding="utf-8"?>
 <p:sld xmlns:a="http://schemas.openxmlformats.org/drawingml/2006/main" xmlns:r="http://schemas.openxmlformats.org/officeDocument/2006/relationships" xmlns:p="http://schemas.openxmlformats.org/presentationml/2006/main">
   <p:cSld>
     <p:spTree>
@@ -10623,7 +10781,7 @@
             <a:fld id="{5AF8520D-FA92-48BB-845A-2C60C26CC1F7}" type="slidenum">
               <a:rPr lang="en-US" smtClean="0"/>
               <a:pPr/>
-              <a:t>107</a:t>
+              <a:t>108</a:t>
             </a:fld>
             <a:endParaRPr lang="en-US" smtClean="0"/>
           </a:p>
@@ -10983,7 +11141,7 @@
 </p:sld>
 </file>
 
-<file path=ppt/slides/slide108.xml><?xml version="1.0" encoding="utf-8"?>
+<file path=ppt/slides/slide109.xml><?xml version="1.0" encoding="utf-8"?>
 <p:sld xmlns:a="http://schemas.openxmlformats.org/drawingml/2006/main" xmlns:r="http://schemas.openxmlformats.org/officeDocument/2006/relationships" xmlns:p="http://schemas.openxmlformats.org/presentationml/2006/main">
   <p:cSld>
     <p:spTree>
@@ -11383,7 +11541,7 @@
             <a:fld id="{5AF8520D-FA92-48BB-845A-2C60C26CC1F7}" type="slidenum">
               <a:rPr lang="en-US" smtClean="0"/>
               <a:pPr/>
-              <a:t>108</a:t>
+              <a:t>109</a:t>
             </a:fld>
             <a:endParaRPr lang="en-US" smtClean="0"/>
           </a:p>
@@ -11841,151 +11999,6 @@
           <a:lstStyle/>
           <a:p>
             <a:endParaRPr lang="en-US"/>
-          </a:p>
-        </p:txBody>
-      </p:sp>
-    </p:spTree>
-  </p:cSld>
-  <p:clrMapOvr>
-    <a:masterClrMapping/>
-  </p:clrMapOvr>
-  <p:timing>
-    <p:tnLst>
-      <p:par>
-        <p:cTn id="1" dur="indefinite" restart="never" nodeType="tmRoot"/>
-      </p:par>
-    </p:tnLst>
-  </p:timing>
-</p:sld>
-</file>
-
-<file path=ppt/slides/slide109.xml><?xml version="1.0" encoding="utf-8"?>
-<p:sld xmlns:a="http://schemas.openxmlformats.org/drawingml/2006/main" xmlns:r="http://schemas.openxmlformats.org/officeDocument/2006/relationships" xmlns:p="http://schemas.openxmlformats.org/presentationml/2006/main">
-  <p:cSld>
-    <p:spTree>
-      <p:nvGrpSpPr>
-        <p:cNvPr id="1" name=""/>
-        <p:cNvGrpSpPr/>
-        <p:nvPr/>
-      </p:nvGrpSpPr>
-      <p:grpSpPr>
-        <a:xfrm>
-          <a:off x="0" y="0"/>
-          <a:ext cx="0" cy="0"/>
-          <a:chOff x="0" y="0"/>
-          <a:chExt cx="0" cy="0"/>
-        </a:xfrm>
-      </p:grpSpPr>
-      <p:sp>
-        <p:nvSpPr>
-          <p:cNvPr id="24578" name="Rectangle 2"/>
-          <p:cNvSpPr>
-            <a:spLocks noGrp="1" noChangeArrowheads="1"/>
-          </p:cNvSpPr>
-          <p:nvPr>
-            <p:ph type="title"/>
-          </p:nvPr>
-        </p:nvSpPr>
-        <p:spPr/>
-        <p:txBody>
-          <a:bodyPr/>
-          <a:lstStyle/>
-          <a:p>
-            <a:pPr algn="l" eaLnBrk="1" hangingPunct="1"/>
-            <a:r>
-              <a:rPr lang="en-US" dirty="0" smtClean="0"/>
-              <a:t>Policy goals and responses </a:t>
-            </a:r>
-          </a:p>
-        </p:txBody>
-      </p:sp>
-      <p:sp>
-        <p:nvSpPr>
-          <p:cNvPr id="24579" name="Rectangle 3"/>
-          <p:cNvSpPr>
-            <a:spLocks noGrp="1" noChangeArrowheads="1"/>
-          </p:cNvSpPr>
-          <p:nvPr>
-            <p:ph type="body" idx="1"/>
-          </p:nvPr>
-        </p:nvSpPr>
-        <p:spPr>
-          <a:xfrm>
-            <a:off x="457200" y="1524000"/>
-            <a:ext cx="8458200" cy="4525963"/>
-          </a:xfrm>
-        </p:spPr>
-        <p:txBody>
-          <a:bodyPr/>
-          <a:lstStyle/>
-          <a:p>
-            <a:pPr eaLnBrk="1" hangingPunct="1">
-              <a:spcBef>
-                <a:spcPct val="50000"/>
-              </a:spcBef>
-            </a:pPr>
-            <a:r>
-              <a:rPr lang="en-US" sz="2400" dirty="0" smtClean="0"/>
-              <a:t>How should we respond to a supply shift? </a:t>
-            </a:r>
-          </a:p>
-          <a:p>
-            <a:pPr lvl="1" eaLnBrk="1" hangingPunct="1">
-              <a:spcBef>
-                <a:spcPct val="50000"/>
-              </a:spcBef>
-            </a:pPr>
-            <a:r>
-              <a:rPr lang="en-US" sz="2000" dirty="0" smtClean="0"/>
-              <a:t>Reinforce or “accommodate” it:   shift AD in same direction as </a:t>
-            </a:r>
-            <a:r>
-              <a:rPr lang="en-US" sz="2000" dirty="0" err="1" smtClean="0"/>
-              <a:t>AS</a:t>
-            </a:r>
-            <a:endParaRPr lang="en-US" sz="2000" dirty="0" smtClean="0"/>
-          </a:p>
-          <a:p>
-            <a:pPr eaLnBrk="1" hangingPunct="1">
-              <a:spcBef>
-                <a:spcPct val="50000"/>
-              </a:spcBef>
-            </a:pPr>
-            <a:r>
-              <a:rPr lang="en-US" sz="2400" dirty="0" smtClean="0"/>
-              <a:t>Does it make sense to </a:t>
-            </a:r>
-            <a:r>
-              <a:rPr lang="en-US" sz="2400" smtClean="0"/>
-              <a:t>lower output further?  </a:t>
-            </a:r>
-            <a:endParaRPr lang="en-US" sz="2400" dirty="0" smtClean="0"/>
-          </a:p>
-        </p:txBody>
-      </p:sp>
-      <p:sp>
-        <p:nvSpPr>
-          <p:cNvPr id="24580" name="Slide Number Placeholder 5"/>
-          <p:cNvSpPr>
-            <a:spLocks noGrp="1"/>
-          </p:cNvSpPr>
-          <p:nvPr>
-            <p:ph type="sldNum" sz="quarter" idx="12"/>
-          </p:nvPr>
-        </p:nvSpPr>
-        <p:spPr>
-          <a:noFill/>
-        </p:spPr>
-        <p:txBody>
-          <a:bodyPr/>
-          <a:lstStyle/>
-          <a:p>
-            <a:fld id="{DB112A8C-B14B-43CD-A323-93992F50384C}" type="slidenum">
-              <a:rPr lang="en-US" smtClean="0"/>
-              <a:pPr/>
-              <a:t>109</a:t>
-            </a:fld>
-            <a:endParaRPr lang="en-US" smtClean="0"/>
           </a:p>
         </p:txBody>
       </p:sp>
@@ -12441,12 +12454,12 @@
       </p:grpSpPr>
       <p:sp>
         <p:nvSpPr>
-          <p:cNvPr id="57346" name="Rectangle 4"/>
+          <p:cNvPr id="24578" name="Rectangle 2"/>
           <p:cNvSpPr>
             <a:spLocks noGrp="1" noChangeArrowheads="1"/>
           </p:cNvSpPr>
           <p:nvPr>
-            <p:ph type="ctrTitle"/>
+            <p:ph type="title"/>
           </p:nvPr>
         </p:nvSpPr>
         <p:spPr/>
@@ -12454,11 +12467,101 @@
           <a:bodyPr/>
           <a:lstStyle/>
           <a:p>
-            <a:pPr eaLnBrk="1" hangingPunct="1"/>
-            <a:r>
-              <a:rPr lang="en-US" i="1" dirty="0" smtClean="0"/>
-              <a:t>What happened?</a:t>
-            </a:r>
+            <a:pPr algn="l" eaLnBrk="1" hangingPunct="1"/>
+            <a:r>
+              <a:rPr lang="en-US" dirty="0" smtClean="0"/>
+              <a:t>Policy goals and responses </a:t>
+            </a:r>
+          </a:p>
+        </p:txBody>
+      </p:sp>
+      <p:sp>
+        <p:nvSpPr>
+          <p:cNvPr id="24579" name="Rectangle 3"/>
+          <p:cNvSpPr>
+            <a:spLocks noGrp="1" noChangeArrowheads="1"/>
+          </p:cNvSpPr>
+          <p:nvPr>
+            <p:ph type="body" idx="1"/>
+          </p:nvPr>
+        </p:nvSpPr>
+        <p:spPr>
+          <a:xfrm>
+            <a:off x="457200" y="1524000"/>
+            <a:ext cx="8458200" cy="4525963"/>
+          </a:xfrm>
+        </p:spPr>
+        <p:txBody>
+          <a:bodyPr/>
+          <a:lstStyle/>
+          <a:p>
+            <a:pPr eaLnBrk="1" hangingPunct="1">
+              <a:spcBef>
+                <a:spcPct val="50000"/>
+              </a:spcBef>
+            </a:pPr>
+            <a:r>
+              <a:rPr lang="en-US" sz="2400" dirty="0" smtClean="0"/>
+              <a:t>How should we respond to a supply shift? </a:t>
+            </a:r>
+          </a:p>
+          <a:p>
+            <a:pPr lvl="1" eaLnBrk="1" hangingPunct="1">
+              <a:spcBef>
+                <a:spcPct val="50000"/>
+              </a:spcBef>
+            </a:pPr>
+            <a:r>
+              <a:rPr lang="en-US" sz="2000" dirty="0" smtClean="0"/>
+              <a:t>Reinforce or “accommodate” it:   shift AD in same direction as </a:t>
+            </a:r>
+            <a:r>
+              <a:rPr lang="en-US" sz="2000" dirty="0" err="1" smtClean="0"/>
+              <a:t>AS</a:t>
+            </a:r>
+            <a:endParaRPr lang="en-US" sz="2000" dirty="0" smtClean="0"/>
+          </a:p>
+          <a:p>
+            <a:pPr eaLnBrk="1" hangingPunct="1">
+              <a:spcBef>
+                <a:spcPct val="50000"/>
+              </a:spcBef>
+            </a:pPr>
+            <a:r>
+              <a:rPr lang="en-US" sz="2400" dirty="0" smtClean="0"/>
+              <a:t>Does it make sense to </a:t>
+            </a:r>
+            <a:r>
+              <a:rPr lang="en-US" sz="2400" smtClean="0"/>
+              <a:t>lower output further?  </a:t>
+            </a:r>
+            <a:endParaRPr lang="en-US" sz="2400" dirty="0" smtClean="0"/>
+          </a:p>
+        </p:txBody>
+      </p:sp>
+      <p:sp>
+        <p:nvSpPr>
+          <p:cNvPr id="24580" name="Slide Number Placeholder 5"/>
+          <p:cNvSpPr>
+            <a:spLocks noGrp="1"/>
+          </p:cNvSpPr>
+          <p:nvPr>
+            <p:ph type="sldNum" sz="quarter" idx="12"/>
+          </p:nvPr>
+        </p:nvSpPr>
+        <p:spPr>
+          <a:noFill/>
+        </p:spPr>
+        <p:txBody>
+          <a:bodyPr/>
+          <a:lstStyle/>
+          <a:p>
+            <a:fld id="{DB112A8C-B14B-43CD-A323-93992F50384C}" type="slidenum">
+              <a:rPr lang="en-US" smtClean="0"/>
+              <a:pPr/>
+              <a:t>110</a:t>
+            </a:fld>
+            <a:endParaRPr lang="en-US" smtClean="0"/>
           </a:p>
         </p:txBody>
       </p:sp>
@@ -12496,12 +12599,12 @@
       </p:grpSpPr>
       <p:sp>
         <p:nvSpPr>
-          <p:cNvPr id="24578" name="Rectangle 2"/>
+          <p:cNvPr id="57346" name="Rectangle 4"/>
           <p:cNvSpPr>
             <a:spLocks noGrp="1" noChangeArrowheads="1"/>
           </p:cNvSpPr>
           <p:nvPr>
-            <p:ph type="title"/>
+            <p:ph type="ctrTitle"/>
           </p:nvPr>
         </p:nvSpPr>
         <p:spPr/>
@@ -12509,92 +12612,11 @@
           <a:bodyPr/>
           <a:lstStyle/>
           <a:p>
-            <a:pPr algn="l" eaLnBrk="1" hangingPunct="1"/>
-            <a:r>
-              <a:rPr lang="en-US" dirty="0" smtClean="0"/>
+            <a:pPr eaLnBrk="1" hangingPunct="1"/>
+            <a:r>
+              <a:rPr lang="en-US" i="1" dirty="0" smtClean="0"/>
               <a:t>What happened?</a:t>
             </a:r>
-          </a:p>
-        </p:txBody>
-      </p:sp>
-      <p:sp>
-        <p:nvSpPr>
-          <p:cNvPr id="24579" name="Rectangle 3"/>
-          <p:cNvSpPr>
-            <a:spLocks noGrp="1" noChangeArrowheads="1"/>
-          </p:cNvSpPr>
-          <p:nvPr>
-            <p:ph type="body" idx="1"/>
-          </p:nvPr>
-        </p:nvSpPr>
-        <p:spPr>
-          <a:xfrm>
-            <a:off x="457200" y="1524000"/>
-            <a:ext cx="8458200" cy="4525963"/>
-          </a:xfrm>
-        </p:spPr>
-        <p:txBody>
-          <a:bodyPr/>
-          <a:lstStyle/>
-          <a:p>
-            <a:pPr eaLnBrk="1" hangingPunct="1">
-              <a:spcBef>
-                <a:spcPct val="50000"/>
-              </a:spcBef>
-            </a:pPr>
-            <a:r>
-              <a:rPr lang="en-US" sz="2400" dirty="0" smtClean="0"/>
-              <a:t>Our mission </a:t>
-            </a:r>
-            <a:endParaRPr lang="en-US" sz="2000" dirty="0" smtClean="0"/>
-          </a:p>
-          <a:p>
-            <a:pPr lvl="1" eaLnBrk="1" hangingPunct="1">
-              <a:spcBef>
-                <a:spcPct val="50000"/>
-              </a:spcBef>
-            </a:pPr>
-            <a:r>
-              <a:rPr lang="en-US" sz="2000" dirty="0" smtClean="0"/>
-              <a:t>Identify source of shock:  supply or demand?</a:t>
-            </a:r>
-          </a:p>
-          <a:p>
-            <a:pPr lvl="1" eaLnBrk="1" hangingPunct="1">
-              <a:spcBef>
-                <a:spcPct val="50000"/>
-              </a:spcBef>
-            </a:pPr>
-            <a:r>
-              <a:rPr lang="en-US" sz="2000" dirty="0" smtClean="0"/>
-              <a:t>Recommend the appropriate policy </a:t>
-            </a:r>
-          </a:p>
-        </p:txBody>
-      </p:sp>
-      <p:sp>
-        <p:nvSpPr>
-          <p:cNvPr id="24580" name="Slide Number Placeholder 5"/>
-          <p:cNvSpPr>
-            <a:spLocks noGrp="1"/>
-          </p:cNvSpPr>
-          <p:nvPr>
-            <p:ph type="sldNum" sz="quarter" idx="12"/>
-          </p:nvPr>
-        </p:nvSpPr>
-        <p:spPr>
-          <a:noFill/>
-        </p:spPr>
-        <p:txBody>
-          <a:bodyPr/>
-          <a:lstStyle/>
-          <a:p>
-            <a:fld id="{DB112A8C-B14B-43CD-A323-93992F50384C}" type="slidenum">
-              <a:rPr lang="en-US" smtClean="0"/>
-              <a:pPr/>
-              <a:t>111</a:t>
-            </a:fld>
-            <a:endParaRPr lang="en-US" smtClean="0"/>
           </a:p>
         </p:txBody>
       </p:sp>
@@ -12679,10 +12701,10 @@
               </a:spcBef>
             </a:pPr>
             <a:r>
-              <a:rPr lang="en-US" sz="2400" b="1" dirty="0" smtClean="0"/>
-              <a:t>In the mid 1970s?  </a:t>
-            </a:r>
-            <a:endParaRPr lang="en-US" sz="2000" b="1" dirty="0" smtClean="0"/>
+              <a:rPr lang="en-US" sz="2400" dirty="0" smtClean="0"/>
+              <a:t>Our mission </a:t>
+            </a:r>
+            <a:endParaRPr lang="en-US" sz="2000" dirty="0" smtClean="0"/>
           </a:p>
           <a:p>
             <a:pPr lvl="1" eaLnBrk="1" hangingPunct="1">
@@ -12691,19 +12713,8 @@
               </a:spcBef>
             </a:pPr>
             <a:r>
-              <a:rPr lang="en-US" sz="2000" b="1" dirty="0" smtClean="0"/>
-              <a:t>GDP growth low, inflation jumped up </a:t>
-            </a:r>
-          </a:p>
-          <a:p>
-            <a:pPr eaLnBrk="1" hangingPunct="1">
-              <a:spcBef>
-                <a:spcPct val="50000"/>
-              </a:spcBef>
-            </a:pPr>
-            <a:r>
-              <a:rPr lang="en-US" sz="2400" b="1" dirty="0" smtClean="0"/>
-              <a:t>In the early 1980s</a:t>
+              <a:rPr lang="en-US" sz="2000" dirty="0" smtClean="0"/>
+              <a:t>Identify source of shock:  supply or demand?</a:t>
             </a:r>
           </a:p>
           <a:p>
@@ -12713,54 +12724,8 @@
               </a:spcBef>
             </a:pPr>
             <a:r>
-              <a:rPr lang="en-US" sz="2000" b="1" dirty="0" smtClean="0"/>
-              <a:t>Double-dip recession, inflation fell sharply </a:t>
-            </a:r>
-          </a:p>
-          <a:p>
-            <a:pPr eaLnBrk="1" hangingPunct="1">
-              <a:spcBef>
-                <a:spcPct val="50000"/>
-              </a:spcBef>
-            </a:pPr>
-            <a:r>
-              <a:rPr lang="en-US" sz="2400" dirty="0" smtClean="0"/>
-              <a:t>In the late 1990s?  </a:t>
-            </a:r>
-            <a:endParaRPr lang="en-US" sz="2000" dirty="0" smtClean="0"/>
-          </a:p>
-          <a:p>
-            <a:pPr lvl="1" eaLnBrk="1" hangingPunct="1">
-              <a:spcBef>
-                <a:spcPct val="50000"/>
-              </a:spcBef>
-            </a:pPr>
-            <a:r>
               <a:rPr lang="en-US" sz="2000" dirty="0" smtClean="0"/>
-              <a:t>GDP growth high, inflation remained low </a:t>
-            </a:r>
-          </a:p>
-          <a:p>
-            <a:pPr eaLnBrk="1" hangingPunct="1">
-              <a:spcBef>
-                <a:spcPct val="50000"/>
-              </a:spcBef>
-            </a:pPr>
-            <a:r>
-              <a:rPr lang="en-US" sz="2400" dirty="0" smtClean="0"/>
-              <a:t>In the early 2000s?  </a:t>
-            </a:r>
-            <a:endParaRPr lang="en-US" sz="2000" dirty="0" smtClean="0"/>
-          </a:p>
-          <a:p>
-            <a:pPr lvl="1" eaLnBrk="1" hangingPunct="1">
-              <a:spcBef>
-                <a:spcPct val="50000"/>
-              </a:spcBef>
-            </a:pPr>
-            <a:r>
-              <a:rPr lang="en-US" sz="2000" dirty="0" smtClean="0"/>
-              <a:t>Fear of deflation, aggressive monetary expansion </a:t>
+              <a:t>Recommend the appropriate policy </a:t>
             </a:r>
           </a:p>
         </p:txBody>
@@ -12848,6 +12813,118 @@
       </p:sp>
       <p:sp>
         <p:nvSpPr>
+          <p:cNvPr id="24579" name="Rectangle 3"/>
+          <p:cNvSpPr>
+            <a:spLocks noGrp="1" noChangeArrowheads="1"/>
+          </p:cNvSpPr>
+          <p:nvPr>
+            <p:ph type="body" idx="1"/>
+          </p:nvPr>
+        </p:nvSpPr>
+        <p:spPr>
+          <a:xfrm>
+            <a:off x="457200" y="1524000"/>
+            <a:ext cx="8458200" cy="4525963"/>
+          </a:xfrm>
+        </p:spPr>
+        <p:txBody>
+          <a:bodyPr/>
+          <a:lstStyle/>
+          <a:p>
+            <a:pPr eaLnBrk="1" hangingPunct="1">
+              <a:spcBef>
+                <a:spcPct val="50000"/>
+              </a:spcBef>
+            </a:pPr>
+            <a:r>
+              <a:rPr lang="en-US" sz="2400" b="1" dirty="0" smtClean="0"/>
+              <a:t>In the mid 1970s?  </a:t>
+            </a:r>
+            <a:endParaRPr lang="en-US" sz="2000" b="1" dirty="0" smtClean="0"/>
+          </a:p>
+          <a:p>
+            <a:pPr lvl="1" eaLnBrk="1" hangingPunct="1">
+              <a:spcBef>
+                <a:spcPct val="50000"/>
+              </a:spcBef>
+            </a:pPr>
+            <a:r>
+              <a:rPr lang="en-US" sz="2000" b="1" dirty="0" smtClean="0"/>
+              <a:t>GDP growth low, inflation jumped up </a:t>
+            </a:r>
+          </a:p>
+          <a:p>
+            <a:pPr eaLnBrk="1" hangingPunct="1">
+              <a:spcBef>
+                <a:spcPct val="50000"/>
+              </a:spcBef>
+            </a:pPr>
+            <a:r>
+              <a:rPr lang="en-US" sz="2400" b="1" dirty="0" smtClean="0"/>
+              <a:t>In the early 1980s</a:t>
+            </a:r>
+          </a:p>
+          <a:p>
+            <a:pPr lvl="1" eaLnBrk="1" hangingPunct="1">
+              <a:spcBef>
+                <a:spcPct val="50000"/>
+              </a:spcBef>
+            </a:pPr>
+            <a:r>
+              <a:rPr lang="en-US" sz="2000" b="1" dirty="0" smtClean="0"/>
+              <a:t>Double-dip recession, inflation fell sharply </a:t>
+            </a:r>
+          </a:p>
+          <a:p>
+            <a:pPr eaLnBrk="1" hangingPunct="1">
+              <a:spcBef>
+                <a:spcPct val="50000"/>
+              </a:spcBef>
+            </a:pPr>
+            <a:r>
+              <a:rPr lang="en-US" sz="2400" dirty="0" smtClean="0"/>
+              <a:t>In the late 1990s?  </a:t>
+            </a:r>
+            <a:endParaRPr lang="en-US" sz="2000" dirty="0" smtClean="0"/>
+          </a:p>
+          <a:p>
+            <a:pPr lvl="1" eaLnBrk="1" hangingPunct="1">
+              <a:spcBef>
+                <a:spcPct val="50000"/>
+              </a:spcBef>
+            </a:pPr>
+            <a:r>
+              <a:rPr lang="en-US" sz="2000" dirty="0" smtClean="0"/>
+              <a:t>GDP growth high, inflation remained low </a:t>
+            </a:r>
+          </a:p>
+          <a:p>
+            <a:pPr eaLnBrk="1" hangingPunct="1">
+              <a:spcBef>
+                <a:spcPct val="50000"/>
+              </a:spcBef>
+            </a:pPr>
+            <a:r>
+              <a:rPr lang="en-US" sz="2400" dirty="0" smtClean="0"/>
+              <a:t>In the early 2000s?  </a:t>
+            </a:r>
+            <a:endParaRPr lang="en-US" sz="2000" dirty="0" smtClean="0"/>
+          </a:p>
+          <a:p>
+            <a:pPr lvl="1" eaLnBrk="1" hangingPunct="1">
+              <a:spcBef>
+                <a:spcPct val="50000"/>
+              </a:spcBef>
+            </a:pPr>
+            <a:r>
+              <a:rPr lang="en-US" sz="2000" dirty="0" smtClean="0"/>
+              <a:t>Fear of deflation, aggressive monetary expansion </a:t>
+            </a:r>
+          </a:p>
+        </p:txBody>
+      </p:sp>
+      <p:sp>
+        <p:nvSpPr>
           <p:cNvPr id="24580" name="Slide Number Placeholder 5"/>
           <p:cNvSpPr>
             <a:spLocks noGrp="1"/>
@@ -12867,6 +12944,87 @@
               <a:rPr lang="en-US" smtClean="0"/>
               <a:pPr/>
               <a:t>113</a:t>
+            </a:fld>
+            <a:endParaRPr lang="en-US" smtClean="0"/>
+          </a:p>
+        </p:txBody>
+      </p:sp>
+    </p:spTree>
+  </p:cSld>
+  <p:clrMapOvr>
+    <a:masterClrMapping/>
+  </p:clrMapOvr>
+  <p:timing>
+    <p:tnLst>
+      <p:par>
+        <p:cTn id="1" dur="indefinite" restart="never" nodeType="tmRoot"/>
+      </p:par>
+    </p:tnLst>
+  </p:timing>
+</p:sld>
+</file>
+
+<file path=ppt/slides/slide114.xml><?xml version="1.0" encoding="utf-8"?>
+<p:sld xmlns:a="http://schemas.openxmlformats.org/drawingml/2006/main" xmlns:r="http://schemas.openxmlformats.org/officeDocument/2006/relationships" xmlns:p="http://schemas.openxmlformats.org/presentationml/2006/main">
+  <p:cSld>
+    <p:spTree>
+      <p:nvGrpSpPr>
+        <p:cNvPr id="1" name=""/>
+        <p:cNvGrpSpPr/>
+        <p:nvPr/>
+      </p:nvGrpSpPr>
+      <p:grpSpPr>
+        <a:xfrm>
+          <a:off x="0" y="0"/>
+          <a:ext cx="0" cy="0"/>
+          <a:chOff x="0" y="0"/>
+          <a:chExt cx="0" cy="0"/>
+        </a:xfrm>
+      </p:grpSpPr>
+      <p:sp>
+        <p:nvSpPr>
+          <p:cNvPr id="24578" name="Rectangle 2"/>
+          <p:cNvSpPr>
+            <a:spLocks noGrp="1" noChangeArrowheads="1"/>
+          </p:cNvSpPr>
+          <p:nvPr>
+            <p:ph type="title"/>
+          </p:nvPr>
+        </p:nvSpPr>
+        <p:spPr/>
+        <p:txBody>
+          <a:bodyPr/>
+          <a:lstStyle/>
+          <a:p>
+            <a:pPr algn="l" eaLnBrk="1" hangingPunct="1"/>
+            <a:r>
+              <a:rPr lang="en-US" dirty="0" smtClean="0"/>
+              <a:t>What happened?</a:t>
+            </a:r>
+          </a:p>
+        </p:txBody>
+      </p:sp>
+      <p:sp>
+        <p:nvSpPr>
+          <p:cNvPr id="24580" name="Slide Number Placeholder 5"/>
+          <p:cNvSpPr>
+            <a:spLocks noGrp="1"/>
+          </p:cNvSpPr>
+          <p:nvPr>
+            <p:ph type="sldNum" sz="quarter" idx="12"/>
+          </p:nvPr>
+        </p:nvSpPr>
+        <p:spPr>
+          <a:noFill/>
+        </p:spPr>
+        <p:txBody>
+          <a:bodyPr/>
+          <a:lstStyle/>
+          <a:p>
+            <a:fld id="{DB112A8C-B14B-43CD-A323-93992F50384C}" type="slidenum">
+              <a:rPr lang="en-US" smtClean="0"/>
+              <a:pPr/>
+              <a:t>114</a:t>
             </a:fld>
             <a:endParaRPr lang="en-US" smtClean="0"/>
           </a:p>
@@ -12913,7 +13071,7 @@
 </p:sld>
 </file>
 
-<file path=ppt/slides/slide114.xml><?xml version="1.0" encoding="utf-8"?>
+<file path=ppt/slides/slide115.xml><?xml version="1.0" encoding="utf-8"?>
 <p:sld xmlns:a="http://schemas.openxmlformats.org/drawingml/2006/main" xmlns:r="http://schemas.openxmlformats.org/officeDocument/2006/relationships" xmlns:p="http://schemas.openxmlformats.org/presentationml/2006/main">
   <p:cSld>
     <p:spTree>
@@ -12973,7 +13131,7 @@
             <a:fld id="{DB112A8C-B14B-43CD-A323-93992F50384C}" type="slidenum">
               <a:rPr lang="en-US" smtClean="0"/>
               <a:pPr/>
-              <a:t>114</a:t>
+              <a:t>115</a:t>
             </a:fld>
             <a:endParaRPr lang="en-US" smtClean="0"/>
           </a:p>
@@ -13064,7 +13222,7 @@
 </p:sld>
 </file>
 
-<file path=ppt/slides/slide115.xml><?xml version="1.0" encoding="utf-8"?>
+<file path=ppt/slides/slide116.xml><?xml version="1.0" encoding="utf-8"?>
 <p:sld xmlns:a="http://schemas.openxmlformats.org/drawingml/2006/main" xmlns:r="http://schemas.openxmlformats.org/officeDocument/2006/relationships" xmlns:p="http://schemas.openxmlformats.org/presentationml/2006/main">
   <p:cSld>
     <p:spTree>
@@ -13223,7 +13381,7 @@
             <a:fld id="{DB112A8C-B14B-43CD-A323-93992F50384C}" type="slidenum">
               <a:rPr lang="en-US" smtClean="0"/>
               <a:pPr/>
-              <a:t>115</a:t>
+              <a:t>116</a:t>
             </a:fld>
             <a:endParaRPr lang="en-US" smtClean="0"/>
           </a:p>
@@ -13244,7 +13402,7 @@
 </p:sld>
 </file>
 
-<file path=ppt/slides/slide116.xml><?xml version="1.0" encoding="utf-8"?>
+<file path=ppt/slides/slide117.xml><?xml version="1.0" encoding="utf-8"?>
 <p:sld xmlns:a="http://schemas.openxmlformats.org/drawingml/2006/main" xmlns:r="http://schemas.openxmlformats.org/officeDocument/2006/relationships" xmlns:p="http://schemas.openxmlformats.org/presentationml/2006/main">
   <p:cSld>
     <p:spTree>
@@ -13644,7 +13802,7 @@
             <a:fld id="{5AF8520D-FA92-48BB-845A-2C60C26CC1F7}" type="slidenum">
               <a:rPr lang="en-US" smtClean="0"/>
               <a:pPr/>
-              <a:t>116</a:t>
+              <a:t>117</a:t>
             </a:fld>
             <a:endParaRPr lang="en-US" smtClean="0"/>
           </a:p>
@@ -14120,7 +14278,7 @@
 </p:sld>
 </file>
 
-<file path=ppt/slides/slide117.xml><?xml version="1.0" encoding="utf-8"?>
+<file path=ppt/slides/slide118.xml><?xml version="1.0" encoding="utf-8"?>
 <p:sld xmlns:a="http://schemas.openxmlformats.org/drawingml/2006/main" xmlns:r="http://schemas.openxmlformats.org/officeDocument/2006/relationships" xmlns:p="http://schemas.openxmlformats.org/presentationml/2006/main">
   <p:cSld>
     <p:spTree>
@@ -14520,7 +14678,7 @@
             <a:fld id="{5AF8520D-FA92-48BB-845A-2C60C26CC1F7}" type="slidenum">
               <a:rPr lang="en-US" smtClean="0"/>
               <a:pPr/>
-              <a:t>117</a:t>
+              <a:t>118</a:t>
             </a:fld>
             <a:endParaRPr lang="en-US" smtClean="0"/>
           </a:p>
@@ -14978,175 +15136,6 @@
           <a:lstStyle/>
           <a:p>
             <a:endParaRPr lang="en-US"/>
-          </a:p>
-        </p:txBody>
-      </p:sp>
-    </p:spTree>
-  </p:cSld>
-  <p:clrMapOvr>
-    <a:masterClrMapping/>
-  </p:clrMapOvr>
-  <p:timing>
-    <p:tnLst>
-      <p:par>
-        <p:cTn id="1" dur="indefinite" restart="never" nodeType="tmRoot"/>
-      </p:par>
-    </p:tnLst>
-  </p:timing>
-</p:sld>
-</file>
-
-<file path=ppt/slides/slide118.xml><?xml version="1.0" encoding="utf-8"?>
-<p:sld xmlns:a="http://schemas.openxmlformats.org/drawingml/2006/main" xmlns:r="http://schemas.openxmlformats.org/officeDocument/2006/relationships" xmlns:p="http://schemas.openxmlformats.org/presentationml/2006/main">
-  <p:cSld>
-    <p:spTree>
-      <p:nvGrpSpPr>
-        <p:cNvPr id="1" name=""/>
-        <p:cNvGrpSpPr/>
-        <p:nvPr/>
-      </p:nvGrpSpPr>
-      <p:grpSpPr>
-        <a:xfrm>
-          <a:off x="0" y="0"/>
-          <a:ext cx="0" cy="0"/>
-          <a:chOff x="0" y="0"/>
-          <a:chExt cx="0" cy="0"/>
-        </a:xfrm>
-      </p:grpSpPr>
-      <p:sp>
-        <p:nvSpPr>
-          <p:cNvPr id="24578" name="Rectangle 2"/>
-          <p:cNvSpPr>
-            <a:spLocks noGrp="1" noChangeArrowheads="1"/>
-          </p:cNvSpPr>
-          <p:nvPr>
-            <p:ph type="title"/>
-          </p:nvPr>
-        </p:nvSpPr>
-        <p:spPr/>
-        <p:txBody>
-          <a:bodyPr/>
-          <a:lstStyle/>
-          <a:p>
-            <a:pPr algn="l" eaLnBrk="1" hangingPunct="1"/>
-            <a:r>
-              <a:rPr lang="en-US" dirty="0" smtClean="0"/>
-              <a:t>What happened in the mid-1970s?</a:t>
-            </a:r>
-          </a:p>
-        </p:txBody>
-      </p:sp>
-      <p:sp>
-        <p:nvSpPr>
-          <p:cNvPr id="24579" name="Rectangle 3"/>
-          <p:cNvSpPr>
-            <a:spLocks noGrp="1" noChangeArrowheads="1"/>
-          </p:cNvSpPr>
-          <p:nvPr>
-            <p:ph type="body" idx="1"/>
-          </p:nvPr>
-        </p:nvSpPr>
-        <p:spPr>
-          <a:xfrm>
-            <a:off x="457200" y="1524000"/>
-            <a:ext cx="8458200" cy="4525963"/>
-          </a:xfrm>
-        </p:spPr>
-        <p:txBody>
-          <a:bodyPr/>
-          <a:lstStyle/>
-          <a:p>
-            <a:pPr eaLnBrk="1" hangingPunct="1">
-              <a:spcBef>
-                <a:spcPct val="50000"/>
-              </a:spcBef>
-            </a:pPr>
-            <a:r>
-              <a:rPr lang="en-US" sz="2400" dirty="0" smtClean="0"/>
-              <a:t>Standard interpretation of 1970s inflation </a:t>
-            </a:r>
-            <a:endParaRPr lang="en-US" sz="2000" dirty="0" smtClean="0"/>
-          </a:p>
-          <a:p>
-            <a:pPr lvl="1" eaLnBrk="1" hangingPunct="1">
-              <a:spcBef>
-                <a:spcPct val="50000"/>
-              </a:spcBef>
-            </a:pPr>
-            <a:r>
-              <a:rPr lang="en-US" sz="2000" dirty="0" smtClean="0"/>
-              <a:t>OPEC was a shift left in AS/AS*</a:t>
-            </a:r>
-          </a:p>
-          <a:p>
-            <a:pPr lvl="1" eaLnBrk="1" hangingPunct="1">
-              <a:spcBef>
-                <a:spcPct val="50000"/>
-              </a:spcBef>
-            </a:pPr>
-            <a:r>
-              <a:rPr lang="en-US" sz="2000" dirty="0" smtClean="0"/>
-              <a:t>Fed should therefore accommodate, shift AD left </a:t>
-            </a:r>
-          </a:p>
-          <a:p>
-            <a:pPr lvl="1" eaLnBrk="1" hangingPunct="1">
-              <a:spcBef>
-                <a:spcPct val="50000"/>
-              </a:spcBef>
-            </a:pPr>
-            <a:r>
-              <a:rPr lang="en-US" sz="2000" dirty="0" smtClean="0"/>
-              <a:t>If so, we would have seen a drop in Y but stable prices </a:t>
-            </a:r>
-          </a:p>
-          <a:p>
-            <a:pPr lvl="1" eaLnBrk="1" hangingPunct="1">
-              <a:spcBef>
-                <a:spcPct val="50000"/>
-              </a:spcBef>
-            </a:pPr>
-            <a:r>
-              <a:rPr lang="en-US" sz="2000" dirty="0" smtClean="0"/>
-              <a:t>But the Fed shifted AD right, raising inflation sharply</a:t>
-            </a:r>
-          </a:p>
-          <a:p>
-            <a:pPr lvl="1" eaLnBrk="1" hangingPunct="1">
-              <a:spcBef>
-                <a:spcPct val="50000"/>
-              </a:spcBef>
-            </a:pPr>
-            <a:r>
-              <a:rPr lang="en-US" sz="2000" dirty="0" smtClean="0"/>
-              <a:t>Long-run output response the same in both cases </a:t>
-            </a:r>
-          </a:p>
-        </p:txBody>
-      </p:sp>
-      <p:sp>
-        <p:nvSpPr>
-          <p:cNvPr id="24580" name="Slide Number Placeholder 5"/>
-          <p:cNvSpPr>
-            <a:spLocks noGrp="1"/>
-          </p:cNvSpPr>
-          <p:nvPr>
-            <p:ph type="sldNum" sz="quarter" idx="12"/>
-          </p:nvPr>
-        </p:nvSpPr>
-        <p:spPr>
-          <a:noFill/>
-        </p:spPr>
-        <p:txBody>
-          <a:bodyPr/>
-          <a:lstStyle/>
-          <a:p>
-            <a:fld id="{DB112A8C-B14B-43CD-A323-93992F50384C}" type="slidenum">
-              <a:rPr lang="en-US" smtClean="0"/>
-              <a:pPr/>
-              <a:t>118</a:t>
-            </a:fld>
-            <a:endParaRPr lang="en-US" smtClean="0"/>
           </a:p>
         </p:txBody>
       </p:sp>
@@ -15200,7 +15189,95 @@
             <a:pPr algn="l" eaLnBrk="1" hangingPunct="1"/>
             <a:r>
               <a:rPr lang="en-US" dirty="0" smtClean="0"/>
-              <a:t>What happened in the early 1980s?</a:t>
+              <a:t>What happened in the mid-1970s?</a:t>
+            </a:r>
+          </a:p>
+        </p:txBody>
+      </p:sp>
+      <p:sp>
+        <p:nvSpPr>
+          <p:cNvPr id="24579" name="Rectangle 3"/>
+          <p:cNvSpPr>
+            <a:spLocks noGrp="1" noChangeArrowheads="1"/>
+          </p:cNvSpPr>
+          <p:nvPr>
+            <p:ph type="body" idx="1"/>
+          </p:nvPr>
+        </p:nvSpPr>
+        <p:spPr>
+          <a:xfrm>
+            <a:off x="457200" y="1524000"/>
+            <a:ext cx="8458200" cy="4525963"/>
+          </a:xfrm>
+        </p:spPr>
+        <p:txBody>
+          <a:bodyPr/>
+          <a:lstStyle/>
+          <a:p>
+            <a:pPr eaLnBrk="1" hangingPunct="1">
+              <a:spcBef>
+                <a:spcPct val="50000"/>
+              </a:spcBef>
+            </a:pPr>
+            <a:r>
+              <a:rPr lang="en-US" sz="2400" dirty="0" smtClean="0"/>
+              <a:t>Standard interpretation of 1970s inflation </a:t>
+            </a:r>
+            <a:endParaRPr lang="en-US" sz="2000" dirty="0" smtClean="0"/>
+          </a:p>
+          <a:p>
+            <a:pPr lvl="1" eaLnBrk="1" hangingPunct="1">
+              <a:spcBef>
+                <a:spcPct val="50000"/>
+              </a:spcBef>
+            </a:pPr>
+            <a:r>
+              <a:rPr lang="en-US" sz="2000" dirty="0" smtClean="0"/>
+              <a:t>OPEC was a shift left in AS/AS*</a:t>
+            </a:r>
+          </a:p>
+          <a:p>
+            <a:pPr lvl="1" eaLnBrk="1" hangingPunct="1">
+              <a:spcBef>
+                <a:spcPct val="50000"/>
+              </a:spcBef>
+            </a:pPr>
+            <a:r>
+              <a:rPr lang="en-US" sz="2000" dirty="0" smtClean="0"/>
+              <a:t>Fed should therefore accommodate, shift AD left </a:t>
+            </a:r>
+          </a:p>
+          <a:p>
+            <a:pPr lvl="1" eaLnBrk="1" hangingPunct="1">
+              <a:spcBef>
+                <a:spcPct val="50000"/>
+              </a:spcBef>
+            </a:pPr>
+            <a:r>
+              <a:rPr lang="en-US" sz="2000" dirty="0" smtClean="0"/>
+              <a:t>If so, we would have seen a drop in Y but stable prices </a:t>
+            </a:r>
+          </a:p>
+          <a:p>
+            <a:pPr lvl="1" eaLnBrk="1" hangingPunct="1">
+              <a:spcBef>
+                <a:spcPct val="50000"/>
+              </a:spcBef>
+            </a:pPr>
+            <a:r>
+              <a:rPr lang="en-US" sz="2000" dirty="0" smtClean="0"/>
+              <a:t>But the Fed shifted AD right, raising inflation sharply</a:t>
+            </a:r>
+          </a:p>
+          <a:p>
+            <a:pPr lvl="1" eaLnBrk="1" hangingPunct="1">
+              <a:spcBef>
+                <a:spcPct val="50000"/>
+              </a:spcBef>
+            </a:pPr>
+            <a:r>
+              <a:rPr lang="en-US" sz="2000" dirty="0" smtClean="0"/>
+              <a:t>Long-run output response the same in both cases </a:t>
             </a:r>
           </a:p>
         </p:txBody>
@@ -15228,76 +15305,6 @@
               <a:t>119</a:t>
             </a:fld>
             <a:endParaRPr lang="en-US" smtClean="0"/>
-          </a:p>
-        </p:txBody>
-      </p:sp>
-      <p:pic>
-        <p:nvPicPr>
-          <p:cNvPr id="113666" name="Picture 2" descr="FRED Graph"/>
-          <p:cNvPicPr>
-            <a:picLocks noChangeAspect="1" noChangeArrowheads="1"/>
-          </p:cNvPicPr>
-          <p:nvPr/>
-        </p:nvPicPr>
-        <p:blipFill>
-          <a:blip r:embed="rId2"/>
-          <a:srcRect/>
-          <a:stretch>
-            <a:fillRect/>
-          </a:stretch>
-        </p:blipFill>
-        <p:spPr bwMode="auto">
-          <a:xfrm>
-            <a:off x="838200" y="1504949"/>
-            <a:ext cx="7397750" cy="4438651"/>
-          </a:xfrm>
-          <a:prstGeom prst="rect">
-            <a:avLst/>
-          </a:prstGeom>
-          <a:noFill/>
-        </p:spPr>
-      </p:pic>
-      <p:sp>
-        <p:nvSpPr>
-          <p:cNvPr id="5" name="Oval 4"/>
-          <p:cNvSpPr/>
-          <p:nvPr/>
-        </p:nvSpPr>
-        <p:spPr>
-          <a:xfrm>
-            <a:off x="3536373" y="2209800"/>
-            <a:ext cx="457200" cy="2514600"/>
-          </a:xfrm>
-          <a:prstGeom prst="ellipse">
-            <a:avLst/>
-          </a:prstGeom>
-          <a:noFill/>
-          <a:ln w="28575">
-            <a:solidFill>
-              <a:schemeClr val="tx1"/>
-            </a:solidFill>
-          </a:ln>
-        </p:spPr>
-        <p:style>
-          <a:lnRef idx="1">
-            <a:schemeClr val="accent1"/>
-          </a:lnRef>
-          <a:fillRef idx="3">
-            <a:schemeClr val="accent1"/>
-          </a:fillRef>
-          <a:effectRef idx="2">
-            <a:schemeClr val="accent1"/>
-          </a:effectRef>
-          <a:fontRef idx="minor">
-            <a:schemeClr val="lt1"/>
-          </a:fontRef>
-        </p:style>
-        <p:txBody>
-          <a:bodyPr rtlCol="0" anchor="ctr"/>
-          <a:lstStyle/>
-          <a:p>
-            <a:pPr algn="ctr"/>
-            <a:endParaRPr lang="en-US"/>
           </a:p>
         </p:txBody>
       </p:sp>
@@ -15413,105 +15420,6 @@
       </p:sp>
       <p:sp>
         <p:nvSpPr>
-          <p:cNvPr id="24579" name="Rectangle 3"/>
-          <p:cNvSpPr>
-            <a:spLocks noGrp="1" noChangeArrowheads="1"/>
-          </p:cNvSpPr>
-          <p:nvPr>
-            <p:ph type="body" idx="1"/>
-          </p:nvPr>
-        </p:nvSpPr>
-        <p:spPr>
-          <a:xfrm>
-            <a:off x="457200" y="1524000"/>
-            <a:ext cx="8458200" cy="4525963"/>
-          </a:xfrm>
-        </p:spPr>
-        <p:txBody>
-          <a:bodyPr/>
-          <a:lstStyle/>
-          <a:p>
-            <a:pPr eaLnBrk="1" hangingPunct="1">
-              <a:spcBef>
-                <a:spcPct val="50000"/>
-              </a:spcBef>
-            </a:pPr>
-            <a:r>
-              <a:rPr lang="en-US" sz="2400" dirty="0" smtClean="0"/>
-              <a:t>In the early 1980s?  </a:t>
-            </a:r>
-            <a:endParaRPr lang="en-US" sz="2000" dirty="0" smtClean="0"/>
-          </a:p>
-          <a:p>
-            <a:pPr lvl="1" eaLnBrk="1" hangingPunct="1">
-              <a:spcBef>
-                <a:spcPct val="50000"/>
-              </a:spcBef>
-            </a:pPr>
-            <a:r>
-              <a:rPr lang="en-US" sz="2000" dirty="0" smtClean="0"/>
-              <a:t>Double dip recession, inflation dropped sharply </a:t>
-            </a:r>
-          </a:p>
-          <a:p>
-            <a:pPr eaLnBrk="1" hangingPunct="1">
-              <a:spcBef>
-                <a:spcPct val="50000"/>
-              </a:spcBef>
-            </a:pPr>
-            <a:r>
-              <a:rPr lang="en-US" sz="2400" dirty="0" smtClean="0"/>
-              <a:t>Order of events </a:t>
-            </a:r>
-          </a:p>
-          <a:p>
-            <a:pPr lvl="1" eaLnBrk="1" hangingPunct="1">
-              <a:spcBef>
-                <a:spcPct val="50000"/>
-              </a:spcBef>
-            </a:pPr>
-            <a:r>
-              <a:rPr lang="en-US" sz="2000" dirty="0" smtClean="0"/>
-              <a:t>Volcker appointed head of Fed, charged with killing inflation </a:t>
-            </a:r>
-          </a:p>
-          <a:p>
-            <a:pPr lvl="1" eaLnBrk="1" hangingPunct="1">
-              <a:spcBef>
-                <a:spcPct val="50000"/>
-              </a:spcBef>
-            </a:pPr>
-            <a:r>
-              <a:rPr lang="en-US" sz="2000" dirty="0" smtClean="0"/>
-              <a:t>Reduced money growth, interest rates rose sharply </a:t>
-            </a:r>
-          </a:p>
-          <a:p>
-            <a:pPr lvl="1" eaLnBrk="1" hangingPunct="1">
-              <a:spcBef>
-                <a:spcPct val="50000"/>
-              </a:spcBef>
-            </a:pPr>
-            <a:r>
-              <a:rPr lang="en-US" sz="2000" dirty="0" smtClean="0"/>
-              <a:t>After a year or two, inflation dropped </a:t>
-            </a:r>
-          </a:p>
-          <a:p>
-            <a:pPr eaLnBrk="1" hangingPunct="1">
-              <a:spcBef>
-                <a:spcPct val="50000"/>
-              </a:spcBef>
-            </a:pPr>
-            <a:r>
-              <a:rPr lang="en-US" sz="2400" dirty="0" smtClean="0"/>
-              <a:t>How did this work?  Shift in supply or demand?  </a:t>
-            </a:r>
-          </a:p>
-        </p:txBody>
-      </p:sp>
-      <p:sp>
-        <p:nvSpPr>
           <p:cNvPr id="24580" name="Slide Number Placeholder 5"/>
           <p:cNvSpPr>
             <a:spLocks noGrp="1"/>
@@ -15533,6 +15441,76 @@
               <a:t>120</a:t>
             </a:fld>
             <a:endParaRPr lang="en-US" smtClean="0"/>
+          </a:p>
+        </p:txBody>
+      </p:sp>
+      <p:pic>
+        <p:nvPicPr>
+          <p:cNvPr id="113666" name="Picture 2" descr="FRED Graph"/>
+          <p:cNvPicPr>
+            <a:picLocks noChangeAspect="1" noChangeArrowheads="1"/>
+          </p:cNvPicPr>
+          <p:nvPr/>
+        </p:nvPicPr>
+        <p:blipFill>
+          <a:blip r:embed="rId2"/>
+          <a:srcRect/>
+          <a:stretch>
+            <a:fillRect/>
+          </a:stretch>
+        </p:blipFill>
+        <p:spPr bwMode="auto">
+          <a:xfrm>
+            <a:off x="838200" y="1504949"/>
+            <a:ext cx="7397750" cy="4438651"/>
+          </a:xfrm>
+          <a:prstGeom prst="rect">
+            <a:avLst/>
+          </a:prstGeom>
+          <a:noFill/>
+        </p:spPr>
+      </p:pic>
+      <p:sp>
+        <p:nvSpPr>
+          <p:cNvPr id="5" name="Oval 4"/>
+          <p:cNvSpPr/>
+          <p:nvPr/>
+        </p:nvSpPr>
+        <p:spPr>
+          <a:xfrm>
+            <a:off x="3536373" y="2209800"/>
+            <a:ext cx="457200" cy="2514600"/>
+          </a:xfrm>
+          <a:prstGeom prst="ellipse">
+            <a:avLst/>
+          </a:prstGeom>
+          <a:noFill/>
+          <a:ln w="28575">
+            <a:solidFill>
+              <a:schemeClr val="tx1"/>
+            </a:solidFill>
+          </a:ln>
+        </p:spPr>
+        <p:style>
+          <a:lnRef idx="1">
+            <a:schemeClr val="accent1"/>
+          </a:lnRef>
+          <a:fillRef idx="3">
+            <a:schemeClr val="accent1"/>
+          </a:fillRef>
+          <a:effectRef idx="2">
+            <a:schemeClr val="accent1"/>
+          </a:effectRef>
+          <a:fontRef idx="minor">
+            <a:schemeClr val="lt1"/>
+          </a:fontRef>
+        </p:style>
+        <p:txBody>
+          <a:bodyPr rtlCol="0" anchor="ctr"/>
+          <a:lstStyle/>
+          <a:p>
+            <a:pPr algn="ctr"/>
+            <a:endParaRPr lang="en-US"/>
           </a:p>
         </p:txBody>
       </p:sp>
@@ -15552,6 +15530,186 @@
 </file>
 
 <file path=ppt/slides/slide121.xml><?xml version="1.0" encoding="utf-8"?>
+<p:sld xmlns:a="http://schemas.openxmlformats.org/drawingml/2006/main" xmlns:r="http://schemas.openxmlformats.org/officeDocument/2006/relationships" xmlns:p="http://schemas.openxmlformats.org/presentationml/2006/main">
+  <p:cSld>
+    <p:spTree>
+      <p:nvGrpSpPr>
+        <p:cNvPr id="1" name=""/>
+        <p:cNvGrpSpPr/>
+        <p:nvPr/>
+      </p:nvGrpSpPr>
+      <p:grpSpPr>
+        <a:xfrm>
+          <a:off x="0" y="0"/>
+          <a:ext cx="0" cy="0"/>
+          <a:chOff x="0" y="0"/>
+          <a:chExt cx="0" cy="0"/>
+        </a:xfrm>
+      </p:grpSpPr>
+      <p:sp>
+        <p:nvSpPr>
+          <p:cNvPr id="24578" name="Rectangle 2"/>
+          <p:cNvSpPr>
+            <a:spLocks noGrp="1" noChangeArrowheads="1"/>
+          </p:cNvSpPr>
+          <p:nvPr>
+            <p:ph type="title"/>
+          </p:nvPr>
+        </p:nvSpPr>
+        <p:spPr/>
+        <p:txBody>
+          <a:bodyPr/>
+          <a:lstStyle/>
+          <a:p>
+            <a:pPr algn="l" eaLnBrk="1" hangingPunct="1"/>
+            <a:r>
+              <a:rPr lang="en-US" dirty="0" smtClean="0"/>
+              <a:t>What happened in the early 1980s?</a:t>
+            </a:r>
+          </a:p>
+        </p:txBody>
+      </p:sp>
+      <p:sp>
+        <p:nvSpPr>
+          <p:cNvPr id="24579" name="Rectangle 3"/>
+          <p:cNvSpPr>
+            <a:spLocks noGrp="1" noChangeArrowheads="1"/>
+          </p:cNvSpPr>
+          <p:nvPr>
+            <p:ph type="body" idx="1"/>
+          </p:nvPr>
+        </p:nvSpPr>
+        <p:spPr>
+          <a:xfrm>
+            <a:off x="457200" y="1524000"/>
+            <a:ext cx="8458200" cy="4525963"/>
+          </a:xfrm>
+        </p:spPr>
+        <p:txBody>
+          <a:bodyPr/>
+          <a:lstStyle/>
+          <a:p>
+            <a:pPr eaLnBrk="1" hangingPunct="1">
+              <a:spcBef>
+                <a:spcPct val="50000"/>
+              </a:spcBef>
+            </a:pPr>
+            <a:r>
+              <a:rPr lang="en-US" sz="2400" dirty="0" smtClean="0"/>
+              <a:t>In the early 1980s?  </a:t>
+            </a:r>
+            <a:endParaRPr lang="en-US" sz="2000" dirty="0" smtClean="0"/>
+          </a:p>
+          <a:p>
+            <a:pPr lvl="1" eaLnBrk="1" hangingPunct="1">
+              <a:spcBef>
+                <a:spcPct val="50000"/>
+              </a:spcBef>
+            </a:pPr>
+            <a:r>
+              <a:rPr lang="en-US" sz="2000" dirty="0" smtClean="0"/>
+              <a:t>Double dip recession, inflation dropped sharply </a:t>
+            </a:r>
+          </a:p>
+          <a:p>
+            <a:pPr eaLnBrk="1" hangingPunct="1">
+              <a:spcBef>
+                <a:spcPct val="50000"/>
+              </a:spcBef>
+            </a:pPr>
+            <a:r>
+              <a:rPr lang="en-US" sz="2400" dirty="0" smtClean="0"/>
+              <a:t>Order of events </a:t>
+            </a:r>
+          </a:p>
+          <a:p>
+            <a:pPr lvl="1" eaLnBrk="1" hangingPunct="1">
+              <a:spcBef>
+                <a:spcPct val="50000"/>
+              </a:spcBef>
+            </a:pPr>
+            <a:r>
+              <a:rPr lang="en-US" sz="2000" dirty="0" smtClean="0"/>
+              <a:t>Volcker appointed head of Fed, charged with killing inflation </a:t>
+            </a:r>
+          </a:p>
+          <a:p>
+            <a:pPr lvl="1" eaLnBrk="1" hangingPunct="1">
+              <a:spcBef>
+                <a:spcPct val="50000"/>
+              </a:spcBef>
+            </a:pPr>
+            <a:r>
+              <a:rPr lang="en-US" sz="2000" dirty="0" smtClean="0"/>
+              <a:t>Reduced money growth, interest rates rose sharply </a:t>
+            </a:r>
+          </a:p>
+          <a:p>
+            <a:pPr lvl="1" eaLnBrk="1" hangingPunct="1">
+              <a:spcBef>
+                <a:spcPct val="50000"/>
+              </a:spcBef>
+            </a:pPr>
+            <a:r>
+              <a:rPr lang="en-US" sz="2000" dirty="0" smtClean="0"/>
+              <a:t>After a year or two, inflation dropped </a:t>
+            </a:r>
+          </a:p>
+          <a:p>
+            <a:pPr eaLnBrk="1" hangingPunct="1">
+              <a:spcBef>
+                <a:spcPct val="50000"/>
+              </a:spcBef>
+            </a:pPr>
+            <a:r>
+              <a:rPr lang="en-US" sz="2400" dirty="0" smtClean="0"/>
+              <a:t>How did this work?  Shift in supply or demand?  </a:t>
+            </a:r>
+          </a:p>
+        </p:txBody>
+      </p:sp>
+      <p:sp>
+        <p:nvSpPr>
+          <p:cNvPr id="24580" name="Slide Number Placeholder 5"/>
+          <p:cNvSpPr>
+            <a:spLocks noGrp="1"/>
+          </p:cNvSpPr>
+          <p:nvPr>
+            <p:ph type="sldNum" sz="quarter" idx="12"/>
+          </p:nvPr>
+        </p:nvSpPr>
+        <p:spPr>
+          <a:noFill/>
+        </p:spPr>
+        <p:txBody>
+          <a:bodyPr/>
+          <a:lstStyle/>
+          <a:p>
+            <a:fld id="{DB112A8C-B14B-43CD-A323-93992F50384C}" type="slidenum">
+              <a:rPr lang="en-US" smtClean="0"/>
+              <a:pPr/>
+              <a:t>121</a:t>
+            </a:fld>
+            <a:endParaRPr lang="en-US" smtClean="0"/>
+          </a:p>
+        </p:txBody>
+      </p:sp>
+    </p:spTree>
+  </p:cSld>
+  <p:clrMapOvr>
+    <a:masterClrMapping/>
+  </p:clrMapOvr>
+  <p:timing>
+    <p:tnLst>
+      <p:par>
+        <p:cTn id="1" dur="indefinite" restart="never" nodeType="tmRoot"/>
+      </p:par>
+    </p:tnLst>
+  </p:timing>
+</p:sld>
+</file>
+
+<file path=ppt/slides/slide122.xml><?xml version="1.0" encoding="utf-8"?>
 <p:sld xmlns:a="http://schemas.openxmlformats.org/drawingml/2006/main" xmlns:r="http://schemas.openxmlformats.org/officeDocument/2006/relationships" xmlns:p="http://schemas.openxmlformats.org/presentationml/2006/main">
   <p:cSld>
     <p:spTree>
@@ -16031,7 +16189,7 @@
             <a:fld id="{739A7EED-A3DF-4D52-B213-E231D2EC4DA5}" type="slidenum">
               <a:rPr lang="en-US" smtClean="0"/>
               <a:pPr/>
-              <a:t>121</a:t>
+              <a:t>122</a:t>
             </a:fld>
             <a:endParaRPr lang="en-US" smtClean="0"/>
           </a:p>
@@ -16337,164 +16495,6 @@
             <a:endParaRPr lang="en-US" sz="2000" dirty="0">
               <a:latin typeface="Times New Roman" pitchFamily="18" charset="0"/>
             </a:endParaRPr>
-          </a:p>
-        </p:txBody>
-      </p:sp>
-    </p:spTree>
-  </p:cSld>
-  <p:clrMapOvr>
-    <a:masterClrMapping/>
-  </p:clrMapOvr>
-  <p:timing>
-    <p:tnLst>
-      <p:par>
-        <p:cTn id="1" dur="indefinite" restart="never" nodeType="tmRoot"/>
-      </p:par>
-    </p:tnLst>
-  </p:timing>
-</p:sld>
-</file>
-
-<file path=ppt/slides/slide122.xml><?xml version="1.0" encoding="utf-8"?>
-<p:sld xmlns:a="http://schemas.openxmlformats.org/drawingml/2006/main" xmlns:r="http://schemas.openxmlformats.org/officeDocument/2006/relationships" xmlns:p="http://schemas.openxmlformats.org/presentationml/2006/main">
-  <p:cSld>
-    <p:spTree>
-      <p:nvGrpSpPr>
-        <p:cNvPr id="1" name=""/>
-        <p:cNvGrpSpPr/>
-        <p:nvPr/>
-      </p:nvGrpSpPr>
-      <p:grpSpPr>
-        <a:xfrm>
-          <a:off x="0" y="0"/>
-          <a:ext cx="0" cy="0"/>
-          <a:chOff x="0" y="0"/>
-          <a:chExt cx="0" cy="0"/>
-        </a:xfrm>
-      </p:grpSpPr>
-      <p:sp>
-        <p:nvSpPr>
-          <p:cNvPr id="24578" name="Rectangle 2"/>
-          <p:cNvSpPr>
-            <a:spLocks noGrp="1" noChangeArrowheads="1"/>
-          </p:cNvSpPr>
-          <p:nvPr>
-            <p:ph type="title"/>
-          </p:nvPr>
-        </p:nvSpPr>
-        <p:spPr/>
-        <p:txBody>
-          <a:bodyPr/>
-          <a:lstStyle/>
-          <a:p>
-            <a:pPr algn="l" eaLnBrk="1" hangingPunct="1"/>
-            <a:r>
-              <a:rPr lang="en-US" dirty="0" smtClean="0"/>
-              <a:t>What happened in the early 1980s?</a:t>
-            </a:r>
-          </a:p>
-        </p:txBody>
-      </p:sp>
-      <p:sp>
-        <p:nvSpPr>
-          <p:cNvPr id="24579" name="Rectangle 3"/>
-          <p:cNvSpPr>
-            <a:spLocks noGrp="1" noChangeArrowheads="1"/>
-          </p:cNvSpPr>
-          <p:nvPr>
-            <p:ph type="body" idx="1"/>
-          </p:nvPr>
-        </p:nvSpPr>
-        <p:spPr>
-          <a:xfrm>
-            <a:off x="457200" y="1524000"/>
-            <a:ext cx="8458200" cy="4525963"/>
-          </a:xfrm>
-        </p:spPr>
-        <p:txBody>
-          <a:bodyPr/>
-          <a:lstStyle/>
-          <a:p>
-            <a:pPr eaLnBrk="1" hangingPunct="1">
-              <a:spcBef>
-                <a:spcPct val="50000"/>
-              </a:spcBef>
-            </a:pPr>
-            <a:r>
-              <a:rPr lang="en-US" sz="2400" dirty="0" smtClean="0"/>
-              <a:t>Standard interpretation  </a:t>
-            </a:r>
-            <a:endParaRPr lang="en-US" sz="2000" dirty="0" smtClean="0"/>
-          </a:p>
-          <a:p>
-            <a:pPr lvl="1" eaLnBrk="1" hangingPunct="1">
-              <a:spcBef>
-                <a:spcPct val="50000"/>
-              </a:spcBef>
-            </a:pPr>
-            <a:r>
-              <a:rPr lang="en-US" sz="2000" dirty="0" smtClean="0"/>
-              <a:t>Fed shifted AD back sharply </a:t>
-            </a:r>
-          </a:p>
-          <a:p>
-            <a:pPr lvl="1" eaLnBrk="1" hangingPunct="1">
-              <a:spcBef>
-                <a:spcPct val="50000"/>
-              </a:spcBef>
-            </a:pPr>
-            <a:r>
-              <a:rPr lang="en-US" sz="2000" dirty="0" smtClean="0"/>
-              <a:t>Short run impact:  recession, lower inflation (A to B) </a:t>
-            </a:r>
-          </a:p>
-          <a:p>
-            <a:pPr lvl="1" eaLnBrk="1" hangingPunct="1">
-              <a:spcBef>
-                <a:spcPct val="50000"/>
-              </a:spcBef>
-            </a:pPr>
-            <a:r>
-              <a:rPr lang="en-US" sz="2000" dirty="0" smtClean="0"/>
-              <a:t>Long-run impact:  much lower inflation (B to C)</a:t>
-            </a:r>
-          </a:p>
-          <a:p>
-            <a:pPr eaLnBrk="1" hangingPunct="1">
-              <a:spcBef>
-                <a:spcPct val="50000"/>
-              </a:spcBef>
-            </a:pPr>
-            <a:r>
-              <a:rPr lang="en-US" sz="2400" dirty="0" smtClean="0"/>
-              <a:t>Why do some find prospect of inflation so painful? </a:t>
-            </a:r>
-          </a:p>
-        </p:txBody>
-      </p:sp>
-      <p:sp>
-        <p:nvSpPr>
-          <p:cNvPr id="24580" name="Slide Number Placeholder 5"/>
-          <p:cNvSpPr>
-            <a:spLocks noGrp="1"/>
-          </p:cNvSpPr>
-          <p:nvPr>
-            <p:ph type="sldNum" sz="quarter" idx="12"/>
-          </p:nvPr>
-        </p:nvSpPr>
-        <p:spPr>
-          <a:noFill/>
-        </p:spPr>
-        <p:txBody>
-          <a:bodyPr/>
-          <a:lstStyle/>
-          <a:p>
-            <a:fld id="{DB112A8C-B14B-43CD-A323-93992F50384C}" type="slidenum">
-              <a:rPr lang="en-US" smtClean="0"/>
-              <a:pPr/>
-              <a:t>122</a:t>
-            </a:fld>
-            <a:endParaRPr lang="en-US" smtClean="0"/>
           </a:p>
         </p:txBody>
       </p:sp>
@@ -16548,7 +16548,84 @@
             <a:pPr algn="l" eaLnBrk="1" hangingPunct="1"/>
             <a:r>
               <a:rPr lang="en-US" dirty="0" smtClean="0"/>
-              <a:t>What happened in the late 1990s?</a:t>
+              <a:t>What happened in the early 1980s?</a:t>
+            </a:r>
+          </a:p>
+        </p:txBody>
+      </p:sp>
+      <p:sp>
+        <p:nvSpPr>
+          <p:cNvPr id="24579" name="Rectangle 3"/>
+          <p:cNvSpPr>
+            <a:spLocks noGrp="1" noChangeArrowheads="1"/>
+          </p:cNvSpPr>
+          <p:nvPr>
+            <p:ph type="body" idx="1"/>
+          </p:nvPr>
+        </p:nvSpPr>
+        <p:spPr>
+          <a:xfrm>
+            <a:off x="457200" y="1524000"/>
+            <a:ext cx="8458200" cy="4525963"/>
+          </a:xfrm>
+        </p:spPr>
+        <p:txBody>
+          <a:bodyPr/>
+          <a:lstStyle/>
+          <a:p>
+            <a:pPr eaLnBrk="1" hangingPunct="1">
+              <a:spcBef>
+                <a:spcPct val="50000"/>
+              </a:spcBef>
+            </a:pPr>
+            <a:r>
+              <a:rPr lang="en-US" sz="2400" dirty="0" smtClean="0"/>
+              <a:t>Standard interpretation  </a:t>
+            </a:r>
+            <a:endParaRPr lang="en-US" sz="2000" dirty="0" smtClean="0"/>
+          </a:p>
+          <a:p>
+            <a:pPr lvl="1" eaLnBrk="1" hangingPunct="1">
+              <a:spcBef>
+                <a:spcPct val="50000"/>
+              </a:spcBef>
+            </a:pPr>
+            <a:r>
+              <a:rPr lang="en-US" sz="2000" dirty="0" smtClean="0"/>
+              <a:t>Fed shifted AD back sharply </a:t>
+            </a:r>
+          </a:p>
+          <a:p>
+            <a:pPr lvl="1" eaLnBrk="1" hangingPunct="1">
+              <a:spcBef>
+                <a:spcPct val="50000"/>
+              </a:spcBef>
+            </a:pPr>
+            <a:r>
+              <a:rPr lang="en-US" sz="2000" dirty="0" smtClean="0"/>
+              <a:t>Short run impact:  recession, lower inflation (A to B) </a:t>
+            </a:r>
+          </a:p>
+          <a:p>
+            <a:pPr lvl="1" eaLnBrk="1" hangingPunct="1">
+              <a:spcBef>
+                <a:spcPct val="50000"/>
+              </a:spcBef>
+            </a:pPr>
+            <a:r>
+              <a:rPr lang="en-US" sz="2000" dirty="0" smtClean="0"/>
+              <a:t>Long-run impact:  much lower inflation (B to C)</a:t>
+            </a:r>
+          </a:p>
+          <a:p>
+            <a:pPr eaLnBrk="1" hangingPunct="1">
+              <a:spcBef>
+                <a:spcPct val="50000"/>
+              </a:spcBef>
+            </a:pPr>
+            <a:r>
+              <a:rPr lang="en-US" sz="2400" dirty="0" smtClean="0"/>
+              <a:t>Why do some find prospect of inflation so painful? </a:t>
             </a:r>
           </a:p>
         </p:txBody>
@@ -16576,76 +16653,6 @@
               <a:t>123</a:t>
             </a:fld>
             <a:endParaRPr lang="en-US" smtClean="0"/>
-          </a:p>
-        </p:txBody>
-      </p:sp>
-      <p:pic>
-        <p:nvPicPr>
-          <p:cNvPr id="113666" name="Picture 2" descr="FRED Graph"/>
-          <p:cNvPicPr>
-            <a:picLocks noChangeAspect="1" noChangeArrowheads="1"/>
-          </p:cNvPicPr>
-          <p:nvPr/>
-        </p:nvPicPr>
-        <p:blipFill>
-          <a:blip r:embed="rId2"/>
-          <a:srcRect/>
-          <a:stretch>
-            <a:fillRect/>
-          </a:stretch>
-        </p:blipFill>
-        <p:spPr bwMode="auto">
-          <a:xfrm>
-            <a:off x="838200" y="1504949"/>
-            <a:ext cx="7397750" cy="4438651"/>
-          </a:xfrm>
-          <a:prstGeom prst="rect">
-            <a:avLst/>
-          </a:prstGeom>
-          <a:noFill/>
-        </p:spPr>
-      </p:pic>
-      <p:sp>
-        <p:nvSpPr>
-          <p:cNvPr id="5" name="Oval 4"/>
-          <p:cNvSpPr/>
-          <p:nvPr/>
-        </p:nvSpPr>
-        <p:spPr>
-          <a:xfrm>
-            <a:off x="5334000" y="2819400"/>
-            <a:ext cx="457200" cy="1600200"/>
-          </a:xfrm>
-          <a:prstGeom prst="ellipse">
-            <a:avLst/>
-          </a:prstGeom>
-          <a:noFill/>
-          <a:ln w="28575">
-            <a:solidFill>
-              <a:schemeClr val="tx1"/>
-            </a:solidFill>
-          </a:ln>
-        </p:spPr>
-        <p:style>
-          <a:lnRef idx="1">
-            <a:schemeClr val="accent1"/>
-          </a:lnRef>
-          <a:fillRef idx="3">
-            <a:schemeClr val="accent1"/>
-          </a:fillRef>
-          <a:effectRef idx="2">
-            <a:schemeClr val="accent1"/>
-          </a:effectRef>
-          <a:fontRef idx="minor">
-            <a:schemeClr val="lt1"/>
-          </a:fontRef>
-        </p:style>
-        <p:txBody>
-          <a:bodyPr rtlCol="0" anchor="ctr"/>
-          <a:lstStyle/>
-          <a:p>
-            <a:pPr algn="ctr"/>
-            <a:endParaRPr lang="en-US"/>
           </a:p>
         </p:txBody>
       </p:sp>
@@ -16706,134 +16713,6 @@
       </p:sp>
       <p:sp>
         <p:nvSpPr>
-          <p:cNvPr id="24579" name="Rectangle 3"/>
-          <p:cNvSpPr>
-            <a:spLocks noGrp="1" noChangeArrowheads="1"/>
-          </p:cNvSpPr>
-          <p:nvPr>
-            <p:ph type="body" idx="1"/>
-          </p:nvPr>
-        </p:nvSpPr>
-        <p:spPr>
-          <a:xfrm>
-            <a:off x="457200" y="1524000"/>
-            <a:ext cx="8458200" cy="4525963"/>
-          </a:xfrm>
-        </p:spPr>
-        <p:txBody>
-          <a:bodyPr/>
-          <a:lstStyle/>
-          <a:p>
-            <a:pPr eaLnBrk="1" hangingPunct="1">
-              <a:spcBef>
-                <a:spcPct val="50000"/>
-              </a:spcBef>
-            </a:pPr>
-            <a:r>
-              <a:rPr lang="en-US" sz="2400" dirty="0" smtClean="0"/>
-              <a:t>In the late 1990s </a:t>
-            </a:r>
-            <a:endParaRPr lang="en-US" sz="2000" dirty="0" smtClean="0"/>
-          </a:p>
-          <a:p>
-            <a:pPr lvl="1" eaLnBrk="1" hangingPunct="1">
-              <a:lnSpc>
-                <a:spcPct val="90000"/>
-              </a:lnSpc>
-              <a:spcBef>
-                <a:spcPct val="50000"/>
-              </a:spcBef>
-            </a:pPr>
-            <a:r>
-              <a:rPr lang="en-US" sz="2000" dirty="0" smtClean="0"/>
-              <a:t>The economy is booming  </a:t>
-            </a:r>
-          </a:p>
-          <a:p>
-            <a:pPr lvl="1" eaLnBrk="1" hangingPunct="1">
-              <a:lnSpc>
-                <a:spcPct val="90000"/>
-              </a:lnSpc>
-              <a:spcBef>
-                <a:spcPct val="50000"/>
-              </a:spcBef>
-            </a:pPr>
-            <a:r>
-              <a:rPr lang="en-US" sz="2000" dirty="0" smtClean="0"/>
-              <a:t>Is it “overheating”?  </a:t>
-            </a:r>
-          </a:p>
-          <a:p>
-            <a:pPr lvl="1" eaLnBrk="1" hangingPunct="1">
-              <a:lnSpc>
-                <a:spcPct val="90000"/>
-              </a:lnSpc>
-              <a:spcBef>
-                <a:spcPct val="50000"/>
-              </a:spcBef>
-            </a:pPr>
-            <a:r>
-              <a:rPr lang="en-US" sz="2000" dirty="0" smtClean="0"/>
-              <a:t>What should the Fed do?  </a:t>
-            </a:r>
-          </a:p>
-          <a:p>
-            <a:pPr eaLnBrk="1" hangingPunct="1">
-              <a:spcBef>
-                <a:spcPct val="50000"/>
-              </a:spcBef>
-            </a:pPr>
-            <a:r>
-              <a:rPr lang="en-US" sz="2400" dirty="0" smtClean="0"/>
-              <a:t>Recall:  </a:t>
-            </a:r>
-          </a:p>
-          <a:p>
-            <a:pPr lvl="1" eaLnBrk="1" hangingPunct="1">
-              <a:lnSpc>
-                <a:spcPct val="90000"/>
-              </a:lnSpc>
-              <a:spcBef>
-                <a:spcPct val="50000"/>
-              </a:spcBef>
-            </a:pPr>
-            <a:r>
-              <a:rPr lang="en-US" sz="2000" dirty="0" smtClean="0"/>
-              <a:t>If high demand, Fed should reverse it </a:t>
-            </a:r>
-          </a:p>
-          <a:p>
-            <a:pPr lvl="1" eaLnBrk="1" hangingPunct="1">
-              <a:lnSpc>
-                <a:spcPct val="90000"/>
-              </a:lnSpc>
-              <a:spcBef>
-                <a:spcPct val="50000"/>
-              </a:spcBef>
-            </a:pPr>
-            <a:r>
-              <a:rPr lang="en-US" sz="2000" dirty="0" smtClean="0"/>
-              <a:t>If high supply, Fed should accommodate  </a:t>
-            </a:r>
-          </a:p>
-          <a:p>
-            <a:pPr lvl="1" eaLnBrk="1" hangingPunct="1">
-              <a:lnSpc>
-                <a:spcPct val="90000"/>
-              </a:lnSpc>
-              <a:spcBef>
-                <a:spcPct val="50000"/>
-              </a:spcBef>
-            </a:pPr>
-            <a:r>
-              <a:rPr lang="en-US" sz="2000" dirty="0" smtClean="0"/>
-              <a:t>Which was it?  How can you tell?  </a:t>
-            </a:r>
-          </a:p>
-        </p:txBody>
-      </p:sp>
-      <p:sp>
-        <p:nvSpPr>
           <p:cNvPr id="24580" name="Slide Number Placeholder 5"/>
           <p:cNvSpPr>
             <a:spLocks noGrp="1"/>
@@ -16855,6 +16734,76 @@
               <a:t>124</a:t>
             </a:fld>
             <a:endParaRPr lang="en-US" smtClean="0"/>
+          </a:p>
+        </p:txBody>
+      </p:sp>
+      <p:pic>
+        <p:nvPicPr>
+          <p:cNvPr id="113666" name="Picture 2" descr="FRED Graph"/>
+          <p:cNvPicPr>
+            <a:picLocks noChangeAspect="1" noChangeArrowheads="1"/>
+          </p:cNvPicPr>
+          <p:nvPr/>
+        </p:nvPicPr>
+        <p:blipFill>
+          <a:blip r:embed="rId2"/>
+          <a:srcRect/>
+          <a:stretch>
+            <a:fillRect/>
+          </a:stretch>
+        </p:blipFill>
+        <p:spPr bwMode="auto">
+          <a:xfrm>
+            <a:off x="838200" y="1504949"/>
+            <a:ext cx="7397750" cy="4438651"/>
+          </a:xfrm>
+          <a:prstGeom prst="rect">
+            <a:avLst/>
+          </a:prstGeom>
+          <a:noFill/>
+        </p:spPr>
+      </p:pic>
+      <p:sp>
+        <p:nvSpPr>
+          <p:cNvPr id="5" name="Oval 4"/>
+          <p:cNvSpPr/>
+          <p:nvPr/>
+        </p:nvSpPr>
+        <p:spPr>
+          <a:xfrm>
+            <a:off x="5334000" y="2819400"/>
+            <a:ext cx="457200" cy="1600200"/>
+          </a:xfrm>
+          <a:prstGeom prst="ellipse">
+            <a:avLst/>
+          </a:prstGeom>
+          <a:noFill/>
+          <a:ln w="28575">
+            <a:solidFill>
+              <a:schemeClr val="tx1"/>
+            </a:solidFill>
+          </a:ln>
+        </p:spPr>
+        <p:style>
+          <a:lnRef idx="1">
+            <a:schemeClr val="accent1"/>
+          </a:lnRef>
+          <a:fillRef idx="3">
+            <a:schemeClr val="accent1"/>
+          </a:fillRef>
+          <a:effectRef idx="2">
+            <a:schemeClr val="accent1"/>
+          </a:effectRef>
+          <a:fontRef idx="minor">
+            <a:schemeClr val="lt1"/>
+          </a:fontRef>
+        </p:style>
+        <p:txBody>
+          <a:bodyPr rtlCol="0" anchor="ctr"/>
+          <a:lstStyle/>
+          <a:p>
+            <a:pPr algn="ctr"/>
+            <a:endParaRPr lang="en-US"/>
           </a:p>
         </p:txBody>
       </p:sp>
@@ -16908,7 +16857,135 @@
             <a:pPr algn="l" eaLnBrk="1" hangingPunct="1"/>
             <a:r>
               <a:rPr lang="en-US" dirty="0" smtClean="0"/>
-              <a:t>What happened in the early 2000s?</a:t>
+              <a:t>What happened in the late 1990s?</a:t>
+            </a:r>
+          </a:p>
+        </p:txBody>
+      </p:sp>
+      <p:sp>
+        <p:nvSpPr>
+          <p:cNvPr id="24579" name="Rectangle 3"/>
+          <p:cNvSpPr>
+            <a:spLocks noGrp="1" noChangeArrowheads="1"/>
+          </p:cNvSpPr>
+          <p:nvPr>
+            <p:ph type="body" idx="1"/>
+          </p:nvPr>
+        </p:nvSpPr>
+        <p:spPr>
+          <a:xfrm>
+            <a:off x="457200" y="1524000"/>
+            <a:ext cx="8458200" cy="4525963"/>
+          </a:xfrm>
+        </p:spPr>
+        <p:txBody>
+          <a:bodyPr/>
+          <a:lstStyle/>
+          <a:p>
+            <a:pPr eaLnBrk="1" hangingPunct="1">
+              <a:spcBef>
+                <a:spcPct val="50000"/>
+              </a:spcBef>
+            </a:pPr>
+            <a:r>
+              <a:rPr lang="en-US" sz="2400" dirty="0" smtClean="0"/>
+              <a:t>In the late 1990s </a:t>
+            </a:r>
+            <a:endParaRPr lang="en-US" sz="2000" dirty="0" smtClean="0"/>
+          </a:p>
+          <a:p>
+            <a:pPr lvl="1" eaLnBrk="1" hangingPunct="1">
+              <a:lnSpc>
+                <a:spcPct val="90000"/>
+              </a:lnSpc>
+              <a:spcBef>
+                <a:spcPct val="50000"/>
+              </a:spcBef>
+            </a:pPr>
+            <a:r>
+              <a:rPr lang="en-US" sz="2000" dirty="0" smtClean="0"/>
+              <a:t>The economy is booming  </a:t>
+            </a:r>
+          </a:p>
+          <a:p>
+            <a:pPr lvl="1" eaLnBrk="1" hangingPunct="1">
+              <a:lnSpc>
+                <a:spcPct val="90000"/>
+              </a:lnSpc>
+              <a:spcBef>
+                <a:spcPct val="50000"/>
+              </a:spcBef>
+            </a:pPr>
+            <a:r>
+              <a:rPr lang="en-US" sz="2000" dirty="0" smtClean="0"/>
+              <a:t>Is it “overheating”?  </a:t>
+            </a:r>
+          </a:p>
+          <a:p>
+            <a:pPr lvl="1" eaLnBrk="1" hangingPunct="1">
+              <a:lnSpc>
+                <a:spcPct val="90000"/>
+              </a:lnSpc>
+              <a:spcBef>
+                <a:spcPct val="50000"/>
+              </a:spcBef>
+            </a:pPr>
+            <a:r>
+              <a:rPr lang="en-US" sz="2000" dirty="0" smtClean="0"/>
+              <a:t>What should the Fed do?  </a:t>
+            </a:r>
+          </a:p>
+          <a:p>
+            <a:pPr eaLnBrk="1" hangingPunct="1">
+              <a:spcBef>
+                <a:spcPct val="50000"/>
+              </a:spcBef>
+            </a:pPr>
+            <a:r>
+              <a:rPr lang="en-US" sz="2400" dirty="0" smtClean="0"/>
+              <a:t>Recall:  </a:t>
+            </a:r>
+          </a:p>
+          <a:p>
+            <a:pPr lvl="1" eaLnBrk="1" hangingPunct="1">
+              <a:lnSpc>
+                <a:spcPct val="90000"/>
+              </a:lnSpc>
+              <a:spcBef>
+                <a:spcPct val="50000"/>
+              </a:spcBef>
+            </a:pPr>
+            <a:r>
+              <a:rPr lang="en-US" sz="2000" dirty="0" smtClean="0"/>
+              <a:t>If high demand, Fed should reverse it </a:t>
+            </a:r>
+          </a:p>
+          <a:p>
+            <a:pPr lvl="1" eaLnBrk="1" hangingPunct="1">
+              <a:lnSpc>
+                <a:spcPct val="90000"/>
+              </a:lnSpc>
+              <a:spcBef>
+                <a:spcPct val="50000"/>
+              </a:spcBef>
+            </a:pPr>
+            <a:r>
+              <a:rPr lang="en-US" sz="2000" dirty="0" smtClean="0"/>
+              <a:t>If high supply, Fed should accommodate  </a:t>
+            </a:r>
+          </a:p>
+          <a:p>
+            <a:pPr lvl="1" eaLnBrk="1" hangingPunct="1">
+              <a:lnSpc>
+                <a:spcPct val="90000"/>
+              </a:lnSpc>
+              <a:spcBef>
+                <a:spcPct val="50000"/>
+              </a:spcBef>
+            </a:pPr>
+            <a:r>
+              <a:rPr lang="en-US" sz="2000" dirty="0" smtClean="0"/>
+              <a:t>Which was it?  How can you tell?  </a:t>
             </a:r>
           </a:p>
         </p:txBody>
@@ -16936,76 +17013,6 @@
               <a:t>125</a:t>
             </a:fld>
             <a:endParaRPr lang="en-US" smtClean="0"/>
-          </a:p>
-        </p:txBody>
-      </p:sp>
-      <p:pic>
-        <p:nvPicPr>
-          <p:cNvPr id="113666" name="Picture 2" descr="FRED Graph"/>
-          <p:cNvPicPr>
-            <a:picLocks noChangeAspect="1" noChangeArrowheads="1"/>
-          </p:cNvPicPr>
-          <p:nvPr/>
-        </p:nvPicPr>
-        <p:blipFill>
-          <a:blip r:embed="rId2"/>
-          <a:srcRect/>
-          <a:stretch>
-            <a:fillRect/>
-          </a:stretch>
-        </p:blipFill>
-        <p:spPr bwMode="auto">
-          <a:xfrm>
-            <a:off x="838200" y="1504949"/>
-            <a:ext cx="7397750" cy="4438651"/>
-          </a:xfrm>
-          <a:prstGeom prst="rect">
-            <a:avLst/>
-          </a:prstGeom>
-          <a:noFill/>
-        </p:spPr>
-      </p:pic>
-      <p:sp>
-        <p:nvSpPr>
-          <p:cNvPr id="5" name="Oval 4"/>
-          <p:cNvSpPr/>
-          <p:nvPr/>
-        </p:nvSpPr>
-        <p:spPr>
-          <a:xfrm>
-            <a:off x="5943600" y="2895600"/>
-            <a:ext cx="457200" cy="1600200"/>
-          </a:xfrm>
-          <a:prstGeom prst="ellipse">
-            <a:avLst/>
-          </a:prstGeom>
-          <a:noFill/>
-          <a:ln w="28575">
-            <a:solidFill>
-              <a:schemeClr val="tx1"/>
-            </a:solidFill>
-          </a:ln>
-        </p:spPr>
-        <p:style>
-          <a:lnRef idx="1">
-            <a:schemeClr val="accent1"/>
-          </a:lnRef>
-          <a:fillRef idx="3">
-            <a:schemeClr val="accent1"/>
-          </a:fillRef>
-          <a:effectRef idx="2">
-            <a:schemeClr val="accent1"/>
-          </a:effectRef>
-          <a:fontRef idx="minor">
-            <a:schemeClr val="lt1"/>
-          </a:fontRef>
-        </p:style>
-        <p:txBody>
-          <a:bodyPr rtlCol="0" anchor="ctr"/>
-          <a:lstStyle/>
-          <a:p>
-            <a:pPr algn="ctr"/>
-            <a:endParaRPr lang="en-US"/>
           </a:p>
         </p:txBody>
       </p:sp>
@@ -17066,134 +17073,6 @@
       </p:sp>
       <p:sp>
         <p:nvSpPr>
-          <p:cNvPr id="24579" name="Rectangle 3"/>
-          <p:cNvSpPr>
-            <a:spLocks noGrp="1" noChangeArrowheads="1"/>
-          </p:cNvSpPr>
-          <p:nvPr>
-            <p:ph type="body" idx="1"/>
-          </p:nvPr>
-        </p:nvSpPr>
-        <p:spPr>
-          <a:xfrm>
-            <a:off x="457200" y="1524000"/>
-            <a:ext cx="8458200" cy="4525963"/>
-          </a:xfrm>
-        </p:spPr>
-        <p:txBody>
-          <a:bodyPr/>
-          <a:lstStyle/>
-          <a:p>
-            <a:pPr eaLnBrk="1" hangingPunct="1">
-              <a:spcBef>
-                <a:spcPct val="50000"/>
-              </a:spcBef>
-            </a:pPr>
-            <a:r>
-              <a:rPr lang="en-US" sz="2400" dirty="0" smtClean="0"/>
-              <a:t>In the early 2000s </a:t>
-            </a:r>
-            <a:endParaRPr lang="en-US" sz="2000" dirty="0" smtClean="0"/>
-          </a:p>
-          <a:p>
-            <a:pPr lvl="1" eaLnBrk="1" hangingPunct="1">
-              <a:lnSpc>
-                <a:spcPct val="90000"/>
-              </a:lnSpc>
-              <a:spcBef>
-                <a:spcPct val="50000"/>
-              </a:spcBef>
-            </a:pPr>
-            <a:r>
-              <a:rPr lang="en-US" sz="2000" dirty="0" smtClean="0"/>
-              <a:t>The economy recovered nicely from “dot-com crash”</a:t>
-            </a:r>
-          </a:p>
-          <a:p>
-            <a:pPr lvl="1" eaLnBrk="1" hangingPunct="1">
-              <a:lnSpc>
-                <a:spcPct val="90000"/>
-              </a:lnSpc>
-              <a:spcBef>
-                <a:spcPct val="50000"/>
-              </a:spcBef>
-            </a:pPr>
-            <a:r>
-              <a:rPr lang="en-US" sz="2000" dirty="0" smtClean="0"/>
-              <a:t>Inflation low – deflation on the horizon? </a:t>
-            </a:r>
-          </a:p>
-          <a:p>
-            <a:pPr lvl="1" eaLnBrk="1" hangingPunct="1">
-              <a:lnSpc>
-                <a:spcPct val="90000"/>
-              </a:lnSpc>
-              <a:spcBef>
-                <a:spcPct val="50000"/>
-              </a:spcBef>
-            </a:pPr>
-            <a:r>
-              <a:rPr lang="en-US" sz="2000" dirty="0" smtClean="0"/>
-              <a:t>Fed expanded money supply aggressively</a:t>
-            </a:r>
-          </a:p>
-          <a:p>
-            <a:pPr eaLnBrk="1" hangingPunct="1">
-              <a:spcBef>
-                <a:spcPct val="50000"/>
-              </a:spcBef>
-            </a:pPr>
-            <a:r>
-              <a:rPr lang="en-US" sz="2400" dirty="0" smtClean="0"/>
-              <a:t>Questions</a:t>
-            </a:r>
-          </a:p>
-          <a:p>
-            <a:pPr lvl="1" eaLnBrk="1" hangingPunct="1">
-              <a:lnSpc>
-                <a:spcPct val="90000"/>
-              </a:lnSpc>
-              <a:spcBef>
-                <a:spcPct val="50000"/>
-              </a:spcBef>
-            </a:pPr>
-            <a:r>
-              <a:rPr lang="en-US" sz="2000" dirty="0" smtClean="0"/>
-              <a:t>Avoided deflation, inflation jumped up </a:t>
-            </a:r>
-          </a:p>
-          <a:p>
-            <a:pPr lvl="1" eaLnBrk="1" hangingPunct="1">
-              <a:lnSpc>
-                <a:spcPct val="90000"/>
-              </a:lnSpc>
-              <a:spcBef>
-                <a:spcPct val="50000"/>
-              </a:spcBef>
-            </a:pPr>
-            <a:r>
-              <a:rPr lang="en-US" sz="2000" dirty="0" smtClean="0"/>
-              <a:t>Low interest rates facilitated cheap leverage</a:t>
-            </a:r>
-          </a:p>
-          <a:p>
-            <a:pPr lvl="1" eaLnBrk="1" hangingPunct="1">
-              <a:lnSpc>
-                <a:spcPct val="90000"/>
-              </a:lnSpc>
-              <a:spcBef>
-                <a:spcPct val="50000"/>
-              </a:spcBef>
-            </a:pPr>
-            <a:r>
-              <a:rPr lang="en-US" sz="2000" dirty="0" smtClean="0"/>
-              <a:t>Good idea or bad? </a:t>
-            </a:r>
-          </a:p>
-        </p:txBody>
-      </p:sp>
-      <p:sp>
-        <p:nvSpPr>
           <p:cNvPr id="24580" name="Slide Number Placeholder 5"/>
           <p:cNvSpPr>
             <a:spLocks noGrp="1"/>
@@ -17215,6 +17094,76 @@
               <a:t>126</a:t>
             </a:fld>
             <a:endParaRPr lang="en-US" smtClean="0"/>
+          </a:p>
+        </p:txBody>
+      </p:sp>
+      <p:pic>
+        <p:nvPicPr>
+          <p:cNvPr id="113666" name="Picture 2" descr="FRED Graph"/>
+          <p:cNvPicPr>
+            <a:picLocks noChangeAspect="1" noChangeArrowheads="1"/>
+          </p:cNvPicPr>
+          <p:nvPr/>
+        </p:nvPicPr>
+        <p:blipFill>
+          <a:blip r:embed="rId2"/>
+          <a:srcRect/>
+          <a:stretch>
+            <a:fillRect/>
+          </a:stretch>
+        </p:blipFill>
+        <p:spPr bwMode="auto">
+          <a:xfrm>
+            <a:off x="838200" y="1504949"/>
+            <a:ext cx="7397750" cy="4438651"/>
+          </a:xfrm>
+          <a:prstGeom prst="rect">
+            <a:avLst/>
+          </a:prstGeom>
+          <a:noFill/>
+        </p:spPr>
+      </p:pic>
+      <p:sp>
+        <p:nvSpPr>
+          <p:cNvPr id="5" name="Oval 4"/>
+          <p:cNvSpPr/>
+          <p:nvPr/>
+        </p:nvSpPr>
+        <p:spPr>
+          <a:xfrm>
+            <a:off x="5943600" y="2895600"/>
+            <a:ext cx="457200" cy="1600200"/>
+          </a:xfrm>
+          <a:prstGeom prst="ellipse">
+            <a:avLst/>
+          </a:prstGeom>
+          <a:noFill/>
+          <a:ln w="28575">
+            <a:solidFill>
+              <a:schemeClr val="tx1"/>
+            </a:solidFill>
+          </a:ln>
+        </p:spPr>
+        <p:style>
+          <a:lnRef idx="1">
+            <a:schemeClr val="accent1"/>
+          </a:lnRef>
+          <a:fillRef idx="3">
+            <a:schemeClr val="accent1"/>
+          </a:fillRef>
+          <a:effectRef idx="2">
+            <a:schemeClr val="accent1"/>
+          </a:effectRef>
+          <a:fontRef idx="minor">
+            <a:schemeClr val="lt1"/>
+          </a:fontRef>
+        </p:style>
+        <p:txBody>
+          <a:bodyPr rtlCol="0" anchor="ctr"/>
+          <a:lstStyle/>
+          <a:p>
+            <a:pPr algn="ctr"/>
+            <a:endParaRPr lang="en-US"/>
           </a:p>
         </p:txBody>
       </p:sp>
@@ -17268,7 +17217,7 @@
             <a:pPr algn="l" eaLnBrk="1" hangingPunct="1"/>
             <a:r>
               <a:rPr lang="en-US" dirty="0" smtClean="0"/>
-              <a:t>Deflation summary</a:t>
+              <a:t>What happened in the early 2000s?</a:t>
             </a:r>
           </a:p>
         </p:txBody>
@@ -17286,7 +17235,7 @@
         <p:spPr>
           <a:xfrm>
             <a:off x="457200" y="1524000"/>
-            <a:ext cx="7543800" cy="4525963"/>
+            <a:ext cx="8458200" cy="4525963"/>
           </a:xfrm>
         </p:spPr>
         <p:txBody>
@@ -17300,18 +17249,7 @@
             </a:pPr>
             <a:r>
               <a:rPr lang="en-US" sz="2400" dirty="0" smtClean="0"/>
-              <a:t>Deflation = negative inflation (falling prices) </a:t>
-            </a:r>
-          </a:p>
-          <a:p>
-            <a:pPr eaLnBrk="1" hangingPunct="1">
-              <a:spcBef>
-                <a:spcPct val="50000"/>
-              </a:spcBef>
-            </a:pPr>
-            <a:r>
-              <a:rPr lang="en-US" sz="2400" dirty="0" smtClean="0"/>
-              <a:t>Evidence</a:t>
+              <a:t>In the early 2000s </a:t>
             </a:r>
             <a:endParaRPr lang="en-US" sz="2000" dirty="0" smtClean="0"/>
           </a:p>
@@ -17326,7 +17264,7 @@
             </a:pPr>
             <a:r>
               <a:rPr lang="en-US" sz="2000" dirty="0" smtClean="0"/>
-              <a:t>Deflation associated with bad economic performance:        US in 1930s in the US, Japan in 1990s </a:t>
+              <a:t>The economy recovered nicely from “dot-com crash”</a:t>
             </a:r>
           </a:p>
           <a:p>
@@ -17340,18 +17278,7 @@
             </a:pPr>
             <a:r>
               <a:rPr lang="en-US" sz="2000" dirty="0" smtClean="0"/>
-              <a:t>Also with good performance:  US in 1880s, many others </a:t>
-            </a:r>
-          </a:p>
-          <a:p>
-            <a:pPr eaLnBrk="1" hangingPunct="1">
-              <a:spcBef>
-                <a:spcPct val="50000"/>
-              </a:spcBef>
-            </a:pPr>
-            <a:r>
-              <a:rPr lang="en-US" sz="2400" dirty="0" smtClean="0"/>
-              <a:t>Theoretical mechanism</a:t>
+              <a:t>Inflation low – deflation on the horizon? </a:t>
             </a:r>
           </a:p>
           <a:p>
@@ -17365,7 +17292,18 @@
             </a:pPr>
             <a:r>
               <a:rPr lang="en-US" sz="2000" dirty="0" smtClean="0"/>
-              <a:t>Unexpected deflation benefits lenders, hurts borrowers</a:t>
+              <a:t>Fed expanded money supply aggressively</a:t>
+            </a:r>
+          </a:p>
+          <a:p>
+            <a:pPr eaLnBrk="1" hangingPunct="1">
+              <a:spcBef>
+                <a:spcPct val="50000"/>
+              </a:spcBef>
+            </a:pPr>
+            <a:r>
+              <a:rPr lang="en-US" sz="2400" dirty="0" smtClean="0"/>
+              <a:t>Questions</a:t>
             </a:r>
           </a:p>
           <a:p>
@@ -17379,7 +17317,35 @@
             </a:pPr>
             <a:r>
               <a:rPr lang="en-US" sz="2000" dirty="0" smtClean="0"/>
-              <a:t>Therefore bad?  </a:t>
+              <a:t>Avoided deflation, inflation jumped up </a:t>
+            </a:r>
+          </a:p>
+          <a:p>
+            <a:pPr lvl="1" eaLnBrk="1" hangingPunct="1">
+              <a:lnSpc>
+                <a:spcPct val="90000"/>
+              </a:lnSpc>
+              <a:spcBef>
+                <a:spcPct val="50000"/>
+              </a:spcBef>
+            </a:pPr>
+            <a:r>
+              <a:rPr lang="en-US" sz="2000" dirty="0" smtClean="0"/>
+              <a:t>Low interest rates facilitated cheap leverage</a:t>
+            </a:r>
+          </a:p>
+          <a:p>
+            <a:pPr lvl="1" eaLnBrk="1" hangingPunct="1">
+              <a:lnSpc>
+                <a:spcPct val="90000"/>
+              </a:lnSpc>
+              <a:spcBef>
+                <a:spcPct val="50000"/>
+              </a:spcBef>
+            </a:pPr>
+            <a:r>
+              <a:rPr lang="en-US" sz="2000" dirty="0" smtClean="0"/>
+              <a:t>Good idea or bad? </a:t>
             </a:r>
           </a:p>
         </p:txBody>
@@ -17460,7 +17426,7 @@
             <a:pPr algn="l" eaLnBrk="1" hangingPunct="1"/>
             <a:r>
               <a:rPr lang="en-US" dirty="0" smtClean="0"/>
-              <a:t>What have we learned?</a:t>
+              <a:t>Deflation summary</a:t>
             </a:r>
           </a:p>
         </p:txBody>
@@ -17478,7 +17444,7 @@
         <p:spPr>
           <a:xfrm>
             <a:off x="457200" y="1524000"/>
-            <a:ext cx="7848600" cy="4525963"/>
+            <a:ext cx="7543800" cy="4525963"/>
           </a:xfrm>
         </p:spPr>
         <p:txBody>
@@ -17492,7 +17458,7 @@
             </a:pPr>
             <a:r>
               <a:rPr lang="en-US" sz="2400" dirty="0" smtClean="0"/>
-              <a:t>Shifts to supply and demand move GDP growth and inflation around</a:t>
+              <a:t>Deflation = negative inflation (falling prices) </a:t>
             </a:r>
           </a:p>
           <a:p>
@@ -17503,8 +17469,9 @@
             </a:pPr>
             <a:r>
               <a:rPr lang="en-US" sz="2400" dirty="0" smtClean="0"/>
-              <a:t>AS/AD model suggests we should </a:t>
-            </a:r>
+              <a:t>Evidence</a:t>
+            </a:r>
+            <a:endParaRPr lang="en-US" sz="2000" dirty="0" smtClean="0"/>
           </a:p>
           <a:p>
             <a:pPr lvl="1" eaLnBrk="1" hangingPunct="1">
@@ -17517,7 +17484,7 @@
             </a:pPr>
             <a:r>
               <a:rPr lang="en-US" sz="2000" dirty="0" smtClean="0"/>
-              <a:t>“Offset” demand shifts </a:t>
+              <a:t>Deflation associated with bad economic performance:        US in 1930s in the US, Japan in 1990s </a:t>
             </a:r>
           </a:p>
           <a:p>
@@ -17531,7 +17498,7 @@
             </a:pPr>
             <a:r>
               <a:rPr lang="en-US" sz="2000" dirty="0" smtClean="0"/>
-              <a:t>“Accommodate” supply shifts </a:t>
+              <a:t>Also with good performance:  US in 1880s, many others </a:t>
             </a:r>
           </a:p>
           <a:p>
@@ -17542,7 +17509,7 @@
             </a:pPr>
             <a:r>
               <a:rPr lang="en-US" sz="2400" dirty="0" smtClean="0"/>
-              <a:t>How can we tell them apart?  </a:t>
+              <a:t>Theoretical mechanism</a:t>
             </a:r>
           </a:p>
           <a:p>
@@ -17556,7 +17523,21 @@
             </a:pPr>
             <a:r>
               <a:rPr lang="en-US" sz="2000" dirty="0" smtClean="0"/>
-              <a:t>Ask yourself whether inflation and GDP growth are moving in the same direction or not</a:t>
+              <a:t>Unexpected deflation benefits lenders, hurts borrowers</a:t>
+            </a:r>
+          </a:p>
+          <a:p>
+            <a:pPr lvl="1" eaLnBrk="1" hangingPunct="1">
+              <a:lnSpc>
+                <a:spcPct val="90000"/>
+              </a:lnSpc>
+              <a:spcBef>
+                <a:spcPct val="50000"/>
+              </a:spcBef>
+            </a:pPr>
+            <a:r>
+              <a:rPr lang="en-US" sz="2000" dirty="0" smtClean="0"/>
+              <a:t>Therefore bad?  </a:t>
             </a:r>
           </a:p>
         </p:txBody>
@@ -17637,7 +17618,7 @@
             <a:pPr algn="l" eaLnBrk="1" hangingPunct="1"/>
             <a:r>
               <a:rPr lang="en-US" dirty="0" smtClean="0"/>
-              <a:t>For the ride home</a:t>
+              <a:t>What have we learned?</a:t>
             </a:r>
           </a:p>
         </p:txBody>
@@ -17655,7 +17636,7 @@
         <p:spPr>
           <a:xfrm>
             <a:off x="457200" y="1524000"/>
-            <a:ext cx="8458200" cy="4525963"/>
+            <a:ext cx="7848600" cy="4525963"/>
           </a:xfrm>
         </p:spPr>
         <p:txBody>
@@ -17669,37 +17650,72 @@
             </a:pPr>
             <a:r>
               <a:rPr lang="en-US" sz="2400" dirty="0" smtClean="0"/>
-              <a:t>Should Fed continue aggressive expansion of money supply (“quantitative easing”)? </a:t>
+              <a:t>Shifts to supply and demand move GDP growth and inflation around</a:t>
             </a:r>
           </a:p>
           <a:p>
             <a:pPr eaLnBrk="1" hangingPunct="1">
               <a:spcBef>
-                <a:spcPts val="1200"/>
+                <a:spcPct val="50000"/>
               </a:spcBef>
-              <a:spcAft>
-                <a:spcPts val="600"/>
-              </a:spcAft>
             </a:pPr>
             <a:r>
               <a:rPr lang="en-US" sz="2400" dirty="0" smtClean="0"/>
-              <a:t>Or slow down?  </a:t>
+              <a:t>AS/AD model suggests we should </a:t>
+            </a:r>
+          </a:p>
+          <a:p>
+            <a:pPr lvl="1" eaLnBrk="1" hangingPunct="1">
+              <a:lnSpc>
+                <a:spcPct val="90000"/>
+              </a:lnSpc>
+              <a:spcBef>
+                <a:spcPct val="50000"/>
+              </a:spcBef>
+            </a:pPr>
+            <a:r>
+              <a:rPr lang="en-US" sz="2000" dirty="0" smtClean="0"/>
+              <a:t>“Offset” demand shifts </a:t>
+            </a:r>
+          </a:p>
+          <a:p>
+            <a:pPr lvl="1" eaLnBrk="1" hangingPunct="1">
+              <a:lnSpc>
+                <a:spcPct val="90000"/>
+              </a:lnSpc>
+              <a:spcBef>
+                <a:spcPct val="50000"/>
+              </a:spcBef>
+            </a:pPr>
+            <a:r>
+              <a:rPr lang="en-US" sz="2000" dirty="0" smtClean="0"/>
+              <a:t>“Accommodate” supply shifts </a:t>
             </a:r>
           </a:p>
           <a:p>
             <a:pPr eaLnBrk="1" hangingPunct="1">
               <a:spcBef>
-                <a:spcPts val="1200"/>
+                <a:spcPct val="50000"/>
               </a:spcBef>
-              <a:spcAft>
-                <a:spcPts val="600"/>
-              </a:spcAft>
             </a:pPr>
             <a:r>
               <a:rPr lang="en-US" sz="2400" dirty="0" smtClean="0"/>
-              <a:t>Why or why not?  </a:t>
-            </a:r>
-            <a:endParaRPr lang="en-US" sz="2000" dirty="0" smtClean="0"/>
+              <a:t>How can we tell them apart?  </a:t>
+            </a:r>
+          </a:p>
+          <a:p>
+            <a:pPr lvl="1" eaLnBrk="1" hangingPunct="1">
+              <a:lnSpc>
+                <a:spcPct val="90000"/>
+              </a:lnSpc>
+              <a:spcBef>
+                <a:spcPct val="50000"/>
+              </a:spcBef>
+            </a:pPr>
+            <a:r>
+              <a:rPr lang="en-US" sz="2000" dirty="0" smtClean="0"/>
+              <a:t>Ask yourself whether inflation and GDP growth are moving in the same direction or not</a:t>
+            </a:r>
           </a:p>
         </p:txBody>
       </p:sp>
@@ -17983,6 +17999,148 @@
               <a:rPr lang="en-US" smtClean="0"/>
               <a:pPr/>
               <a:t>13</a:t>
+            </a:fld>
+            <a:endParaRPr lang="en-US" smtClean="0"/>
+          </a:p>
+        </p:txBody>
+      </p:sp>
+    </p:spTree>
+  </p:cSld>
+  <p:clrMapOvr>
+    <a:masterClrMapping/>
+  </p:clrMapOvr>
+  <p:timing>
+    <p:tnLst>
+      <p:par>
+        <p:cTn id="1" dur="indefinite" restart="never" nodeType="tmRoot"/>
+      </p:par>
+    </p:tnLst>
+  </p:timing>
+</p:sld>
+</file>
+
+<file path=ppt/slides/slide130.xml><?xml version="1.0" encoding="utf-8"?>
+<p:sld xmlns:a="http://schemas.openxmlformats.org/drawingml/2006/main" xmlns:r="http://schemas.openxmlformats.org/officeDocument/2006/relationships" xmlns:p="http://schemas.openxmlformats.org/presentationml/2006/main">
+  <p:cSld>
+    <p:spTree>
+      <p:nvGrpSpPr>
+        <p:cNvPr id="1" name=""/>
+        <p:cNvGrpSpPr/>
+        <p:nvPr/>
+      </p:nvGrpSpPr>
+      <p:grpSpPr>
+        <a:xfrm>
+          <a:off x="0" y="0"/>
+          <a:ext cx="0" cy="0"/>
+          <a:chOff x="0" y="0"/>
+          <a:chExt cx="0" cy="0"/>
+        </a:xfrm>
+      </p:grpSpPr>
+      <p:sp>
+        <p:nvSpPr>
+          <p:cNvPr id="24578" name="Rectangle 2"/>
+          <p:cNvSpPr>
+            <a:spLocks noGrp="1" noChangeArrowheads="1"/>
+          </p:cNvSpPr>
+          <p:nvPr>
+            <p:ph type="title"/>
+          </p:nvPr>
+        </p:nvSpPr>
+        <p:spPr/>
+        <p:txBody>
+          <a:bodyPr/>
+          <a:lstStyle/>
+          <a:p>
+            <a:pPr algn="l" eaLnBrk="1" hangingPunct="1"/>
+            <a:r>
+              <a:rPr lang="en-US" dirty="0" smtClean="0"/>
+              <a:t>For the ride home</a:t>
+            </a:r>
+          </a:p>
+        </p:txBody>
+      </p:sp>
+      <p:sp>
+        <p:nvSpPr>
+          <p:cNvPr id="24579" name="Rectangle 3"/>
+          <p:cNvSpPr>
+            <a:spLocks noGrp="1" noChangeArrowheads="1"/>
+          </p:cNvSpPr>
+          <p:nvPr>
+            <p:ph type="body" idx="1"/>
+          </p:nvPr>
+        </p:nvSpPr>
+        <p:spPr>
+          <a:xfrm>
+            <a:off x="457200" y="1524000"/>
+            <a:ext cx="8458200" cy="4525963"/>
+          </a:xfrm>
+        </p:spPr>
+        <p:txBody>
+          <a:bodyPr/>
+          <a:lstStyle/>
+          <a:p>
+            <a:pPr eaLnBrk="1" hangingPunct="1">
+              <a:spcBef>
+                <a:spcPct val="50000"/>
+              </a:spcBef>
+            </a:pPr>
+            <a:r>
+              <a:rPr lang="en-US" sz="2400" dirty="0" smtClean="0"/>
+              <a:t>Should Fed continue aggressive expansion of money supply (“quantitative easing”)? </a:t>
+            </a:r>
+          </a:p>
+          <a:p>
+            <a:pPr eaLnBrk="1" hangingPunct="1">
+              <a:spcBef>
+                <a:spcPts val="1200"/>
+              </a:spcBef>
+              <a:spcAft>
+                <a:spcPts val="600"/>
+              </a:spcAft>
+            </a:pPr>
+            <a:r>
+              <a:rPr lang="en-US" sz="2400" dirty="0" smtClean="0"/>
+              <a:t>Or slow down?  </a:t>
+            </a:r>
+          </a:p>
+          <a:p>
+            <a:pPr eaLnBrk="1" hangingPunct="1">
+              <a:spcBef>
+                <a:spcPts val="1200"/>
+              </a:spcBef>
+              <a:spcAft>
+                <a:spcPts val="600"/>
+              </a:spcAft>
+            </a:pPr>
+            <a:r>
+              <a:rPr lang="en-US" sz="2400" dirty="0" smtClean="0"/>
+              <a:t>Why or why not?  </a:t>
+            </a:r>
+            <a:endParaRPr lang="en-US" sz="2000" dirty="0" smtClean="0"/>
+          </a:p>
+        </p:txBody>
+      </p:sp>
+      <p:sp>
+        <p:nvSpPr>
+          <p:cNvPr id="24580" name="Slide Number Placeholder 5"/>
+          <p:cNvSpPr>
+            <a:spLocks noGrp="1"/>
+          </p:cNvSpPr>
+          <p:nvPr>
+            <p:ph type="sldNum" sz="quarter" idx="12"/>
+          </p:nvPr>
+        </p:nvSpPr>
+        <p:spPr>
+          <a:noFill/>
+        </p:spPr>
+        <p:txBody>
+          <a:bodyPr/>
+          <a:lstStyle/>
+          <a:p>
+            <a:fld id="{DB112A8C-B14B-43CD-A323-93992F50384C}" type="slidenum">
+              <a:rPr lang="en-US" smtClean="0"/>
+              <a:pPr/>
+              <a:t>130</a:t>
             </a:fld>
             <a:endParaRPr lang="en-US" smtClean="0"/>
           </a:p>
@@ -38804,8 +38962,17 @@
             </a:pPr>
             <a:r>
               <a:rPr lang="en-US" sz="2400" dirty="0" smtClean="0"/>
-              <a:t>Where are we now?  </a:t>
-            </a:r>
+              <a:t>Replace with </a:t>
+            </a:r>
+            <a:r>
+              <a:rPr lang="en-US" sz="2400" dirty="0" err="1" smtClean="0"/>
+              <a:t>Abenomics</a:t>
+            </a:r>
+            <a:r>
+              <a:rPr lang="en-US" sz="2400" dirty="0" smtClean="0"/>
+              <a:t>?  </a:t>
+            </a:r>
+            <a:endParaRPr lang="en-US" sz="2400" dirty="0"/>
           </a:p>
           <a:p>
             <a:pPr eaLnBrk="1" hangingPunct="1">
@@ -38814,39 +38981,28 @@
               </a:spcBef>
             </a:pPr>
             <a:r>
-              <a:rPr lang="en-US" sz="2400" dirty="0" smtClean="0"/>
-              <a:t>Do </a:t>
-            </a:r>
-            <a:r>
-              <a:rPr lang="en-US" sz="2400" dirty="0" err="1" smtClean="0"/>
-              <a:t>Feroli’s</a:t>
-            </a:r>
-            <a:r>
-              <a:rPr lang="en-US" sz="2400" dirty="0" smtClean="0"/>
-              <a:t> channels affect supply or demand?  </a:t>
-            </a:r>
-          </a:p>
-          <a:p>
-            <a:pPr eaLnBrk="1" hangingPunct="1">
-              <a:spcBef>
-                <a:spcPct val="50000"/>
-              </a:spcBef>
-            </a:pPr>
-            <a:r>
-              <a:rPr lang="en-US" sz="2400" dirty="0" smtClean="0"/>
-              <a:t>If demand, which way does AD shift?  What is the impact on growth and inflation? </a:t>
-            </a:r>
-          </a:p>
-          <a:p>
-            <a:pPr eaLnBrk="1" hangingPunct="1">
-              <a:spcBef>
-                <a:spcPct val="50000"/>
-              </a:spcBef>
-            </a:pPr>
-            <a:r>
-              <a:rPr lang="en-US" sz="2400" dirty="0" smtClean="0"/>
-              <a:t>What would you add – or do differently?  </a:t>
-            </a:r>
+              <a:rPr lang="en-US" sz="2400">
+                <a:hlinkClick r:id="rId2"/>
+              </a:rPr>
+              <a:t>http</a:t>
+            </a:r>
+            <a:r>
+              <a:rPr lang="en-US" sz="2400">
+                <a:hlinkClick r:id="rId2"/>
+              </a:rPr>
+              <a:t>://</a:t>
+            </a:r>
+            <a:r>
+              <a:rPr lang="en-US" sz="2400" smtClean="0">
+                <a:hlinkClick r:id="rId2"/>
+              </a:rPr>
+              <a:t>www.economist.com/news/asia/21605929-shinzo-abes-fight-reshape-japans-economy-and-society-entering-new-phase-battle-japan</a:t>
+            </a:r>
+            <a:r>
+              <a:rPr lang="en-US" sz="2400" smtClean="0"/>
+              <a:t> </a:t>
+            </a:r>
+            <a:endParaRPr lang="en-US" sz="2400" dirty="0" smtClean="0"/>
           </a:p>
         </p:txBody>
       </p:sp>
@@ -38892,6 +39048,220 @@
 </file>
 
 <file path=ppt/slides/slide79.xml><?xml version="1.0" encoding="utf-8"?>
+<p:sld xmlns:a="http://schemas.openxmlformats.org/drawingml/2006/main" xmlns:r="http://schemas.openxmlformats.org/officeDocument/2006/relationships" xmlns:p="http://schemas.openxmlformats.org/presentationml/2006/main">
+  <p:cSld>
+    <p:spTree>
+      <p:nvGrpSpPr>
+        <p:cNvPr id="1" name=""/>
+        <p:cNvGrpSpPr/>
+        <p:nvPr/>
+      </p:nvGrpSpPr>
+      <p:grpSpPr>
+        <a:xfrm>
+          <a:off x="0" y="0"/>
+          <a:ext cx="0" cy="0"/>
+          <a:chOff x="0" y="0"/>
+          <a:chExt cx="0" cy="0"/>
+        </a:xfrm>
+      </p:grpSpPr>
+      <p:sp>
+        <p:nvSpPr>
+          <p:cNvPr id="23554" name="Rectangle 2"/>
+          <p:cNvSpPr>
+            <a:spLocks noGrp="1" noChangeArrowheads="1"/>
+          </p:cNvSpPr>
+          <p:nvPr>
+            <p:ph type="title"/>
+          </p:nvPr>
+        </p:nvSpPr>
+        <p:spPr/>
+        <p:txBody>
+          <a:bodyPr/>
+          <a:lstStyle/>
+          <a:p>
+            <a:pPr algn="l" eaLnBrk="1" hangingPunct="1"/>
+            <a:r>
+              <a:rPr lang="en-US" dirty="0" smtClean="0"/>
+              <a:t>Crisis of confidence </a:t>
+            </a:r>
+          </a:p>
+        </p:txBody>
+      </p:sp>
+      <p:sp>
+        <p:nvSpPr>
+          <p:cNvPr id="23555" name="Rectangle 3"/>
+          <p:cNvSpPr>
+            <a:spLocks noGrp="1" noChangeArrowheads="1"/>
+          </p:cNvSpPr>
+          <p:nvPr>
+            <p:ph type="body" idx="1"/>
+          </p:nvPr>
+        </p:nvSpPr>
+        <p:spPr>
+          <a:xfrm>
+            <a:off x="457200" y="1493837"/>
+            <a:ext cx="8382000" cy="4525963"/>
+          </a:xfrm>
+        </p:spPr>
+        <p:txBody>
+          <a:bodyPr/>
+          <a:lstStyle/>
+          <a:p>
+            <a:pPr eaLnBrk="1" hangingPunct="1">
+              <a:spcBef>
+                <a:spcPct val="50000"/>
+              </a:spcBef>
+            </a:pPr>
+            <a:r>
+              <a:rPr lang="en-US" sz="2400" dirty="0" smtClean="0"/>
+              <a:t>Where are we now?  </a:t>
+            </a:r>
+          </a:p>
+          <a:p>
+            <a:pPr eaLnBrk="1" hangingPunct="1">
+              <a:spcBef>
+                <a:spcPct val="50000"/>
+              </a:spcBef>
+            </a:pPr>
+            <a:r>
+              <a:rPr lang="en-US" sz="2400" dirty="0" smtClean="0"/>
+              <a:t>Do </a:t>
+            </a:r>
+            <a:r>
+              <a:rPr lang="en-US" sz="2400" dirty="0" err="1" smtClean="0"/>
+              <a:t>Feroli’s</a:t>
+            </a:r>
+            <a:r>
+              <a:rPr lang="en-US" sz="2400" dirty="0" smtClean="0"/>
+              <a:t> channels affect supply or demand?  </a:t>
+            </a:r>
+          </a:p>
+          <a:p>
+            <a:pPr eaLnBrk="1" hangingPunct="1">
+              <a:spcBef>
+                <a:spcPct val="50000"/>
+              </a:spcBef>
+            </a:pPr>
+            <a:r>
+              <a:rPr lang="en-US" sz="2400" dirty="0" smtClean="0"/>
+              <a:t>If demand, which way does AD shift?  What is the impact on growth and inflation? </a:t>
+            </a:r>
+          </a:p>
+          <a:p>
+            <a:pPr eaLnBrk="1" hangingPunct="1">
+              <a:spcBef>
+                <a:spcPct val="50000"/>
+              </a:spcBef>
+            </a:pPr>
+            <a:r>
+              <a:rPr lang="en-US" sz="2400" dirty="0" smtClean="0"/>
+              <a:t>What would you add – or do differently?  </a:t>
+            </a:r>
+          </a:p>
+        </p:txBody>
+      </p:sp>
+      <p:sp>
+        <p:nvSpPr>
+          <p:cNvPr id="23556" name="Slide Number Placeholder 5"/>
+          <p:cNvSpPr>
+            <a:spLocks noGrp="1"/>
+          </p:cNvSpPr>
+          <p:nvPr>
+            <p:ph type="sldNum" sz="quarter" idx="12"/>
+          </p:nvPr>
+        </p:nvSpPr>
+        <p:spPr>
+          <a:noFill/>
+        </p:spPr>
+        <p:txBody>
+          <a:bodyPr/>
+          <a:lstStyle/>
+          <a:p>
+            <a:fld id="{6A7AB47A-E532-451C-BB31-AF055ABC8DA9}" type="slidenum">
+              <a:rPr lang="en-US" smtClean="0"/>
+              <a:pPr/>
+              <a:t>79</a:t>
+            </a:fld>
+            <a:endParaRPr lang="en-US" smtClean="0"/>
+          </a:p>
+        </p:txBody>
+      </p:sp>
+    </p:spTree>
+    <p:extLst>
+      <p:ext uri="{BB962C8B-B14F-4D97-AF65-F5344CB8AC3E}">
+        <p14:creationId xmlns:p14="http://schemas.microsoft.com/office/powerpoint/2010/main" val="2253322379"/>
+      </p:ext>
+    </p:extLst>
+  </p:cSld>
+  <p:clrMapOvr>
+    <a:masterClrMapping/>
+  </p:clrMapOvr>
+  <p:timing>
+    <p:tnLst>
+      <p:par>
+        <p:cTn id="1" dur="indefinite" restart="never" nodeType="tmRoot"/>
+      </p:par>
+    </p:tnLst>
+  </p:timing>
+</p:sld>
+</file>
+
+<file path=ppt/slides/slide8.xml><?xml version="1.0" encoding="utf-8"?>
+<p:sld xmlns:a="http://schemas.openxmlformats.org/drawingml/2006/main" xmlns:r="http://schemas.openxmlformats.org/officeDocument/2006/relationships" xmlns:p="http://schemas.openxmlformats.org/presentationml/2006/main">
+  <p:cSld>
+    <p:spTree>
+      <p:nvGrpSpPr>
+        <p:cNvPr id="1" name=""/>
+        <p:cNvGrpSpPr/>
+        <p:nvPr/>
+      </p:nvGrpSpPr>
+      <p:grpSpPr>
+        <a:xfrm>
+          <a:off x="0" y="0"/>
+          <a:ext cx="0" cy="0"/>
+          <a:chOff x="0" y="0"/>
+          <a:chExt cx="0" cy="0"/>
+        </a:xfrm>
+      </p:grpSpPr>
+      <p:sp>
+        <p:nvSpPr>
+          <p:cNvPr id="57346" name="Rectangle 4"/>
+          <p:cNvSpPr>
+            <a:spLocks noGrp="1" noChangeArrowheads="1"/>
+          </p:cNvSpPr>
+          <p:nvPr>
+            <p:ph type="ctrTitle"/>
+          </p:nvPr>
+        </p:nvSpPr>
+        <p:spPr/>
+        <p:txBody>
+          <a:bodyPr/>
+          <a:lstStyle/>
+          <a:p>
+            <a:pPr eaLnBrk="1" hangingPunct="1"/>
+            <a:r>
+              <a:rPr lang="en-US" i="1" dirty="0" smtClean="0"/>
+              <a:t>Aggregate supply &amp; demand</a:t>
+            </a:r>
+          </a:p>
+        </p:txBody>
+      </p:sp>
+    </p:spTree>
+  </p:cSld>
+  <p:clrMapOvr>
+    <a:masterClrMapping/>
+  </p:clrMapOvr>
+  <p:timing>
+    <p:tnLst>
+      <p:par>
+        <p:cTn id="1" dur="indefinite" restart="never" nodeType="tmRoot"/>
+      </p:par>
+    </p:tnLst>
+  </p:timing>
+</p:sld>
+</file>
+
+<file path=ppt/slides/slide80.xml><?xml version="1.0" encoding="utf-8"?>
 <p:sld xmlns:a="http://schemas.openxmlformats.org/drawingml/2006/main" xmlns:r="http://schemas.openxmlformats.org/officeDocument/2006/relationships" xmlns:p="http://schemas.openxmlformats.org/presentationml/2006/main">
   <p:cSld>
     <p:spTree>
@@ -39371,7 +39741,7 @@
             <a:fld id="{739A7EED-A3DF-4D52-B213-E231D2EC4DA5}" type="slidenum">
               <a:rPr lang="en-US" smtClean="0"/>
               <a:pPr/>
-              <a:t>79</a:t>
+              <a:t>80</a:t>
             </a:fld>
             <a:endParaRPr lang="en-US" smtClean="0"/>
           </a:p>
@@ -39417,116 +39787,6 @@
                 <a:latin typeface="Times New Roman" pitchFamily="18" charset="0"/>
               </a:rPr>
               <a:t>Y*</a:t>
-            </a:r>
-          </a:p>
-        </p:txBody>
-      </p:sp>
-    </p:spTree>
-  </p:cSld>
-  <p:clrMapOvr>
-    <a:masterClrMapping/>
-  </p:clrMapOvr>
-  <p:timing>
-    <p:tnLst>
-      <p:par>
-        <p:cTn id="1" dur="indefinite" restart="never" nodeType="tmRoot"/>
-      </p:par>
-    </p:tnLst>
-  </p:timing>
-</p:sld>
-</file>
-
-<file path=ppt/slides/slide8.xml><?xml version="1.0" encoding="utf-8"?>
-<p:sld xmlns:a="http://schemas.openxmlformats.org/drawingml/2006/main" xmlns:r="http://schemas.openxmlformats.org/officeDocument/2006/relationships" xmlns:p="http://schemas.openxmlformats.org/presentationml/2006/main">
-  <p:cSld>
-    <p:spTree>
-      <p:nvGrpSpPr>
-        <p:cNvPr id="1" name=""/>
-        <p:cNvGrpSpPr/>
-        <p:nvPr/>
-      </p:nvGrpSpPr>
-      <p:grpSpPr>
-        <a:xfrm>
-          <a:off x="0" y="0"/>
-          <a:ext cx="0" cy="0"/>
-          <a:chOff x="0" y="0"/>
-          <a:chExt cx="0" cy="0"/>
-        </a:xfrm>
-      </p:grpSpPr>
-      <p:sp>
-        <p:nvSpPr>
-          <p:cNvPr id="57346" name="Rectangle 4"/>
-          <p:cNvSpPr>
-            <a:spLocks noGrp="1" noChangeArrowheads="1"/>
-          </p:cNvSpPr>
-          <p:nvPr>
-            <p:ph type="ctrTitle"/>
-          </p:nvPr>
-        </p:nvSpPr>
-        <p:spPr/>
-        <p:txBody>
-          <a:bodyPr/>
-          <a:lstStyle/>
-          <a:p>
-            <a:pPr eaLnBrk="1" hangingPunct="1"/>
-            <a:r>
-              <a:rPr lang="en-US" i="1" dirty="0" smtClean="0"/>
-              <a:t>Aggregate supply &amp; demand</a:t>
-            </a:r>
-          </a:p>
-        </p:txBody>
-      </p:sp>
-    </p:spTree>
-  </p:cSld>
-  <p:clrMapOvr>
-    <a:masterClrMapping/>
-  </p:clrMapOvr>
-  <p:timing>
-    <p:tnLst>
-      <p:par>
-        <p:cTn id="1" dur="indefinite" restart="never" nodeType="tmRoot"/>
-      </p:par>
-    </p:tnLst>
-  </p:timing>
-</p:sld>
-</file>
-
-<file path=ppt/slides/slide80.xml><?xml version="1.0" encoding="utf-8"?>
-<p:sld xmlns:a="http://schemas.openxmlformats.org/drawingml/2006/main" xmlns:r="http://schemas.openxmlformats.org/officeDocument/2006/relationships" xmlns:p="http://schemas.openxmlformats.org/presentationml/2006/main">
-  <p:cSld>
-    <p:spTree>
-      <p:nvGrpSpPr>
-        <p:cNvPr id="1" name=""/>
-        <p:cNvGrpSpPr/>
-        <p:nvPr/>
-      </p:nvGrpSpPr>
-      <p:grpSpPr>
-        <a:xfrm>
-          <a:off x="0" y="0"/>
-          <a:ext cx="0" cy="0"/>
-          <a:chOff x="0" y="0"/>
-          <a:chExt cx="0" cy="0"/>
-        </a:xfrm>
-      </p:grpSpPr>
-      <p:sp>
-        <p:nvSpPr>
-          <p:cNvPr id="57346" name="Rectangle 4"/>
-          <p:cNvSpPr>
-            <a:spLocks noGrp="1" noChangeArrowheads="1"/>
-          </p:cNvSpPr>
-          <p:nvPr>
-            <p:ph type="ctrTitle"/>
-          </p:nvPr>
-        </p:nvSpPr>
-        <p:spPr/>
-        <p:txBody>
-          <a:bodyPr/>
-          <a:lstStyle/>
-          <a:p>
-            <a:pPr eaLnBrk="1" hangingPunct="1"/>
-            <a:r>
-              <a:rPr lang="en-US" i="1" dirty="0" smtClean="0"/>
-              <a:t>Where do business cycles come from?</a:t>
             </a:r>
           </a:p>
         </p:txBody>
@@ -39565,12 +39825,12 @@
       </p:grpSpPr>
       <p:sp>
         <p:nvSpPr>
-          <p:cNvPr id="24578" name="Rectangle 2"/>
+          <p:cNvPr id="57346" name="Rectangle 4"/>
           <p:cNvSpPr>
             <a:spLocks noGrp="1" noChangeArrowheads="1"/>
           </p:cNvSpPr>
           <p:nvPr>
-            <p:ph type="title"/>
+            <p:ph type="ctrTitle"/>
           </p:nvPr>
         </p:nvSpPr>
         <p:spPr/>
@@ -39578,106 +39838,11 @@
           <a:bodyPr/>
           <a:lstStyle/>
           <a:p>
-            <a:pPr algn="l" eaLnBrk="1" hangingPunct="1"/>
-            <a:r>
-              <a:rPr lang="en-US" dirty="0" smtClean="0"/>
-              <a:t>Inflation and growth</a:t>
-            </a:r>
-          </a:p>
-        </p:txBody>
-      </p:sp>
-      <p:sp>
-        <p:nvSpPr>
-          <p:cNvPr id="24579" name="Rectangle 3"/>
-          <p:cNvSpPr>
-            <a:spLocks noGrp="1" noChangeArrowheads="1"/>
-          </p:cNvSpPr>
-          <p:nvPr>
-            <p:ph type="body" idx="1"/>
-          </p:nvPr>
-        </p:nvSpPr>
-        <p:spPr>
-          <a:xfrm>
-            <a:off x="457200" y="1524000"/>
-            <a:ext cx="8458200" cy="4525963"/>
-          </a:xfrm>
-        </p:spPr>
-        <p:txBody>
-          <a:bodyPr/>
-          <a:lstStyle/>
-          <a:p>
-            <a:pPr eaLnBrk="1" hangingPunct="1">
-              <a:spcBef>
-                <a:spcPct val="50000"/>
-              </a:spcBef>
-            </a:pPr>
-            <a:r>
-              <a:rPr lang="en-US" sz="2400" dirty="0" smtClean="0"/>
-              <a:t>Reminder:  interpret axes </a:t>
-            </a:r>
-            <a:r>
-              <a:rPr lang="en-US" sz="2400" smtClean="0"/>
-              <a:t>as inflation and (GDP) growth</a:t>
-            </a:r>
-          </a:p>
-          <a:p>
-            <a:pPr eaLnBrk="1" hangingPunct="1">
-              <a:spcBef>
-                <a:spcPct val="50000"/>
-              </a:spcBef>
-            </a:pPr>
-            <a:r>
-              <a:rPr lang="en-US" sz="2400" dirty="0" smtClean="0"/>
-              <a:t>Why do inflation and growth change?</a:t>
-            </a:r>
-          </a:p>
-          <a:p>
-            <a:pPr eaLnBrk="1" hangingPunct="1">
-              <a:spcBef>
-                <a:spcPct val="50000"/>
-              </a:spcBef>
-            </a:pPr>
-            <a:r>
-              <a:rPr lang="en-US" sz="2400" dirty="0" smtClean="0"/>
-              <a:t>Shifts in AS and AD?  </a:t>
-            </a:r>
-          </a:p>
-          <a:p>
-            <a:pPr eaLnBrk="1" hangingPunct="1">
-              <a:spcBef>
-                <a:spcPct val="50000"/>
-              </a:spcBef>
-            </a:pPr>
-            <a:r>
-              <a:rPr lang="en-US" sz="2400" dirty="0" smtClean="0"/>
-              <a:t>Which one?  How can you tell?  </a:t>
-            </a:r>
-          </a:p>
-        </p:txBody>
-      </p:sp>
-      <p:sp>
-        <p:nvSpPr>
-          <p:cNvPr id="24580" name="Slide Number Placeholder 5"/>
-          <p:cNvSpPr>
-            <a:spLocks noGrp="1"/>
-          </p:cNvSpPr>
-          <p:nvPr>
-            <p:ph type="sldNum" sz="quarter" idx="12"/>
-          </p:nvPr>
-        </p:nvSpPr>
-        <p:spPr>
-          <a:noFill/>
-        </p:spPr>
-        <p:txBody>
-          <a:bodyPr/>
-          <a:lstStyle/>
-          <a:p>
-            <a:fld id="{DB112A8C-B14B-43CD-A323-93992F50384C}" type="slidenum">
-              <a:rPr lang="en-US" smtClean="0"/>
-              <a:pPr/>
-              <a:t>81</a:t>
-            </a:fld>
-            <a:endParaRPr lang="en-US" smtClean="0"/>
+            <a:pPr eaLnBrk="1" hangingPunct="1"/>
+            <a:r>
+              <a:rPr lang="en-US" i="1" dirty="0" smtClean="0"/>
+              <a:t>Where do business cycles come from?</a:t>
+            </a:r>
           </a:p>
         </p:txBody>
       </p:sp>
@@ -39738,6 +39903,75 @@
       </p:sp>
       <p:sp>
         <p:nvSpPr>
+          <p:cNvPr id="24579" name="Rectangle 3"/>
+          <p:cNvSpPr>
+            <a:spLocks noGrp="1" noChangeArrowheads="1"/>
+          </p:cNvSpPr>
+          <p:nvPr>
+            <p:ph type="body" idx="1"/>
+          </p:nvPr>
+        </p:nvSpPr>
+        <p:spPr>
+          <a:xfrm>
+            <a:off x="457200" y="1524000"/>
+            <a:ext cx="8458200" cy="4525963"/>
+          </a:xfrm>
+        </p:spPr>
+        <p:txBody>
+          <a:bodyPr/>
+          <a:lstStyle/>
+          <a:p>
+            <a:pPr eaLnBrk="1" hangingPunct="1">
+              <a:spcBef>
+                <a:spcPct val="50000"/>
+              </a:spcBef>
+            </a:pPr>
+            <a:r>
+              <a:rPr lang="en-US" sz="2400" dirty="0" smtClean="0"/>
+              <a:t>Reminder:  interpret axes </a:t>
+            </a:r>
+            <a:r>
+              <a:rPr lang="en-US" sz="2400" smtClean="0"/>
+              <a:t>as inflation and (GDP) growth</a:t>
+            </a:r>
+          </a:p>
+          <a:p>
+            <a:pPr eaLnBrk="1" hangingPunct="1">
+              <a:spcBef>
+                <a:spcPct val="50000"/>
+              </a:spcBef>
+            </a:pPr>
+            <a:r>
+              <a:rPr lang="en-US" sz="2400" dirty="0" smtClean="0"/>
+              <a:t>Why do inflation and growth change?</a:t>
+            </a:r>
+          </a:p>
+          <a:p>
+            <a:pPr eaLnBrk="1" hangingPunct="1">
+              <a:spcBef>
+                <a:spcPct val="50000"/>
+              </a:spcBef>
+            </a:pPr>
+            <a:r>
+              <a:rPr lang="en-US" sz="2400" dirty="0" smtClean="0"/>
+              <a:t>Shifts in AS and AD?  </a:t>
+            </a:r>
+          </a:p>
+          <a:p>
+            <a:pPr eaLnBrk="1" hangingPunct="1">
+              <a:spcBef>
+                <a:spcPct val="50000"/>
+              </a:spcBef>
+            </a:pPr>
+            <a:r>
+              <a:rPr lang="en-US" sz="2400" dirty="0" smtClean="0"/>
+              <a:t>Which one?  How can you tell?  </a:t>
+            </a:r>
+          </a:p>
+        </p:txBody>
+      </p:sp>
+      <p:sp>
+        <p:nvSpPr>
           <p:cNvPr id="24580" name="Slide Number Placeholder 5"/>
           <p:cNvSpPr>
             <a:spLocks noGrp="1"/>
@@ -39757,6 +39991,87 @@
               <a:rPr lang="en-US" smtClean="0"/>
               <a:pPr/>
               <a:t>82</a:t>
+            </a:fld>
+            <a:endParaRPr lang="en-US" smtClean="0"/>
+          </a:p>
+        </p:txBody>
+      </p:sp>
+    </p:spTree>
+  </p:cSld>
+  <p:clrMapOvr>
+    <a:masterClrMapping/>
+  </p:clrMapOvr>
+  <p:timing>
+    <p:tnLst>
+      <p:par>
+        <p:cTn id="1" dur="indefinite" restart="never" nodeType="tmRoot"/>
+      </p:par>
+    </p:tnLst>
+  </p:timing>
+</p:sld>
+</file>
+
+<file path=ppt/slides/slide83.xml><?xml version="1.0" encoding="utf-8"?>
+<p:sld xmlns:a="http://schemas.openxmlformats.org/drawingml/2006/main" xmlns:r="http://schemas.openxmlformats.org/officeDocument/2006/relationships" xmlns:p="http://schemas.openxmlformats.org/presentationml/2006/main">
+  <p:cSld>
+    <p:spTree>
+      <p:nvGrpSpPr>
+        <p:cNvPr id="1" name=""/>
+        <p:cNvGrpSpPr/>
+        <p:nvPr/>
+      </p:nvGrpSpPr>
+      <p:grpSpPr>
+        <a:xfrm>
+          <a:off x="0" y="0"/>
+          <a:ext cx="0" cy="0"/>
+          <a:chOff x="0" y="0"/>
+          <a:chExt cx="0" cy="0"/>
+        </a:xfrm>
+      </p:grpSpPr>
+      <p:sp>
+        <p:nvSpPr>
+          <p:cNvPr id="24578" name="Rectangle 2"/>
+          <p:cNvSpPr>
+            <a:spLocks noGrp="1" noChangeArrowheads="1"/>
+          </p:cNvSpPr>
+          <p:nvPr>
+            <p:ph type="title"/>
+          </p:nvPr>
+        </p:nvSpPr>
+        <p:spPr/>
+        <p:txBody>
+          <a:bodyPr/>
+          <a:lstStyle/>
+          <a:p>
+            <a:pPr algn="l" eaLnBrk="1" hangingPunct="1"/>
+            <a:r>
+              <a:rPr lang="en-US" dirty="0" smtClean="0"/>
+              <a:t>Inflation and growth</a:t>
+            </a:r>
+          </a:p>
+        </p:txBody>
+      </p:sp>
+      <p:sp>
+        <p:nvSpPr>
+          <p:cNvPr id="24580" name="Slide Number Placeholder 5"/>
+          <p:cNvSpPr>
+            <a:spLocks noGrp="1"/>
+          </p:cNvSpPr>
+          <p:nvPr>
+            <p:ph type="sldNum" sz="quarter" idx="12"/>
+          </p:nvPr>
+        </p:nvSpPr>
+        <p:spPr>
+          <a:noFill/>
+        </p:spPr>
+        <p:txBody>
+          <a:bodyPr/>
+          <a:lstStyle/>
+          <a:p>
+            <a:fld id="{DB112A8C-B14B-43CD-A323-93992F50384C}" type="slidenum">
+              <a:rPr lang="en-US" smtClean="0"/>
+              <a:pPr/>
+              <a:t>83</a:t>
             </a:fld>
             <a:endParaRPr lang="en-US" smtClean="0"/>
           </a:p>
@@ -39803,7 +40118,7 @@
 </p:sld>
 </file>
 
-<file path=ppt/slides/slide83.xml><?xml version="1.0" encoding="utf-8"?>
+<file path=ppt/slides/slide84.xml><?xml version="1.0" encoding="utf-8"?>
 <p:sld xmlns:a="http://schemas.openxmlformats.org/drawingml/2006/main" xmlns:r="http://schemas.openxmlformats.org/officeDocument/2006/relationships" xmlns:p="http://schemas.openxmlformats.org/presentationml/2006/main">
   <p:cSld>
     <p:spTree>
@@ -39950,7 +40265,7 @@
             <a:fld id="{DB112A8C-B14B-43CD-A323-93992F50384C}" type="slidenum">
               <a:rPr lang="en-US" smtClean="0"/>
               <a:pPr/>
-              <a:t>83</a:t>
+              <a:t>84</a:t>
             </a:fld>
             <a:endParaRPr lang="en-US" smtClean="0"/>
           </a:p>
@@ -39971,7 +40286,7 @@
 </p:sld>
 </file>
 
-<file path=ppt/slides/slide84.xml><?xml version="1.0" encoding="utf-8"?>
+<file path=ppt/slides/slide85.xml><?xml version="1.0" encoding="utf-8"?>
 <p:sld xmlns:a="http://schemas.openxmlformats.org/drawingml/2006/main" xmlns:r="http://schemas.openxmlformats.org/officeDocument/2006/relationships" xmlns:p="http://schemas.openxmlformats.org/presentationml/2006/main">
   <p:cSld>
     <p:spTree>
@@ -40451,7 +40766,7 @@
             <a:fld id="{739A7EED-A3DF-4D52-B213-E231D2EC4DA5}" type="slidenum">
               <a:rPr lang="en-US" smtClean="0"/>
               <a:pPr/>
-              <a:t>84</a:t>
+              <a:t>85</a:t>
             </a:fld>
             <a:endParaRPr lang="en-US" smtClean="0"/>
           </a:p>
@@ -40516,7 +40831,7 @@
 </p:sld>
 </file>
 
-<file path=ppt/slides/slide85.xml><?xml version="1.0" encoding="utf-8"?>
+<file path=ppt/slides/slide86.xml><?xml version="1.0" encoding="utf-8"?>
 <p:sld xmlns:a="http://schemas.openxmlformats.org/drawingml/2006/main" xmlns:r="http://schemas.openxmlformats.org/officeDocument/2006/relationships" xmlns:p="http://schemas.openxmlformats.org/presentationml/2006/main">
   <p:cSld>
     <p:spTree>
@@ -40576,7 +40891,7 @@
             <a:fld id="{DB112A8C-B14B-43CD-A323-93992F50384C}" type="slidenum">
               <a:rPr lang="en-US" smtClean="0"/>
               <a:pPr/>
-              <a:t>85</a:t>
+              <a:t>86</a:t>
             </a:fld>
             <a:endParaRPr lang="en-US" smtClean="0"/>
           </a:p>
@@ -40623,119 +40938,6 @@
 </p:sld>
 </file>
 
-<file path=ppt/slides/slide86.xml><?xml version="1.0" encoding="utf-8"?>
-<p:sld xmlns:a="http://schemas.openxmlformats.org/drawingml/2006/main" xmlns:r="http://schemas.openxmlformats.org/officeDocument/2006/relationships" xmlns:p="http://schemas.openxmlformats.org/presentationml/2006/main">
-  <p:cSld>
-    <p:spTree>
-      <p:nvGrpSpPr>
-        <p:cNvPr id="1" name=""/>
-        <p:cNvGrpSpPr/>
-        <p:nvPr/>
-      </p:nvGrpSpPr>
-      <p:grpSpPr>
-        <a:xfrm>
-          <a:off x="0" y="0"/>
-          <a:ext cx="0" cy="0"/>
-          <a:chOff x="0" y="0"/>
-          <a:chExt cx="0" cy="0"/>
-        </a:xfrm>
-      </p:grpSpPr>
-      <p:sp>
-        <p:nvSpPr>
-          <p:cNvPr id="24578" name="Rectangle 2"/>
-          <p:cNvSpPr>
-            <a:spLocks noGrp="1" noChangeArrowheads="1"/>
-          </p:cNvSpPr>
-          <p:nvPr>
-            <p:ph type="title"/>
-          </p:nvPr>
-        </p:nvSpPr>
-        <p:spPr/>
-        <p:txBody>
-          <a:bodyPr/>
-          <a:lstStyle/>
-          <a:p>
-            <a:pPr algn="l" eaLnBrk="1" hangingPunct="1"/>
-            <a:r>
-              <a:rPr lang="en-US" dirty="0" smtClean="0"/>
-              <a:t>Inflation and growth </a:t>
-            </a:r>
-          </a:p>
-        </p:txBody>
-      </p:sp>
-      <p:sp>
-        <p:nvSpPr>
-          <p:cNvPr id="24579" name="Rectangle 3"/>
-          <p:cNvSpPr>
-            <a:spLocks noGrp="1" noChangeArrowheads="1"/>
-          </p:cNvSpPr>
-          <p:nvPr>
-            <p:ph type="body" idx="1"/>
-          </p:nvPr>
-        </p:nvSpPr>
-        <p:spPr>
-          <a:xfrm>
-            <a:off x="457200" y="1524000"/>
-            <a:ext cx="8458200" cy="4525963"/>
-          </a:xfrm>
-        </p:spPr>
-        <p:txBody>
-          <a:bodyPr/>
-          <a:lstStyle/>
-          <a:p>
-            <a:pPr eaLnBrk="1" hangingPunct="1">
-              <a:spcBef>
-                <a:spcPct val="50000"/>
-              </a:spcBef>
-            </a:pPr>
-            <a:r>
-              <a:rPr lang="en-US" sz="2400" dirty="0" smtClean="0"/>
-              <a:t>Do we see mostly supply or demand shocks?  </a:t>
-            </a:r>
-          </a:p>
-        </p:txBody>
-      </p:sp>
-      <p:sp>
-        <p:nvSpPr>
-          <p:cNvPr id="24580" name="Slide Number Placeholder 5"/>
-          <p:cNvSpPr>
-            <a:spLocks noGrp="1"/>
-          </p:cNvSpPr>
-          <p:nvPr>
-            <p:ph type="sldNum" sz="quarter" idx="12"/>
-          </p:nvPr>
-        </p:nvSpPr>
-        <p:spPr>
-          <a:noFill/>
-        </p:spPr>
-        <p:txBody>
-          <a:bodyPr/>
-          <a:lstStyle/>
-          <a:p>
-            <a:fld id="{DB112A8C-B14B-43CD-A323-93992F50384C}" type="slidenum">
-              <a:rPr lang="en-US" smtClean="0"/>
-              <a:pPr/>
-              <a:t>86</a:t>
-            </a:fld>
-            <a:endParaRPr lang="en-US" smtClean="0"/>
-          </a:p>
-        </p:txBody>
-      </p:sp>
-    </p:spTree>
-  </p:cSld>
-  <p:clrMapOvr>
-    <a:masterClrMapping/>
-  </p:clrMapOvr>
-  <p:timing>
-    <p:tnLst>
-      <p:par>
-        <p:cTn id="1" dur="indefinite" restart="never" nodeType="tmRoot"/>
-      </p:par>
-    </p:tnLst>
-  </p:timing>
-</p:sld>
-</file>
-
 <file path=ppt/slides/slide87.xml><?xml version="1.0" encoding="utf-8"?>
 <p:sld xmlns:a="http://schemas.openxmlformats.org/drawingml/2006/main" xmlns:r="http://schemas.openxmlformats.org/officeDocument/2006/relationships" xmlns:p="http://schemas.openxmlformats.org/presentationml/2006/main">
   <p:cSld>
@@ -40778,6 +40980,38 @@
       </p:sp>
       <p:sp>
         <p:nvSpPr>
+          <p:cNvPr id="24579" name="Rectangle 3"/>
+          <p:cNvSpPr>
+            <a:spLocks noGrp="1" noChangeArrowheads="1"/>
+          </p:cNvSpPr>
+          <p:nvPr>
+            <p:ph type="body" idx="1"/>
+          </p:nvPr>
+        </p:nvSpPr>
+        <p:spPr>
+          <a:xfrm>
+            <a:off x="457200" y="1524000"/>
+            <a:ext cx="8458200" cy="4525963"/>
+          </a:xfrm>
+        </p:spPr>
+        <p:txBody>
+          <a:bodyPr/>
+          <a:lstStyle/>
+          <a:p>
+            <a:pPr eaLnBrk="1" hangingPunct="1">
+              <a:spcBef>
+                <a:spcPct val="50000"/>
+              </a:spcBef>
+            </a:pPr>
+            <a:r>
+              <a:rPr lang="en-US" sz="2400" dirty="0" smtClean="0"/>
+              <a:t>Do we see mostly supply or demand shocks?  </a:t>
+            </a:r>
+          </a:p>
+        </p:txBody>
+      </p:sp>
+      <p:sp>
+        <p:nvSpPr>
           <p:cNvPr id="24580" name="Slide Number Placeholder 5"/>
           <p:cNvSpPr>
             <a:spLocks noGrp="1"/>
@@ -40802,22 +41036,6 @@
           </a:p>
         </p:txBody>
       </p:sp>
-      <p:graphicFrame>
-        <p:nvGraphicFramePr>
-          <p:cNvPr id="6" name="Chart 5"/>
-          <p:cNvGraphicFramePr/>
-          <p:nvPr/>
-        </p:nvGraphicFramePr>
-        <p:xfrm>
-          <a:off x="685800" y="1295400"/>
-          <a:ext cx="7620000" cy="4800600"/>
-        </p:xfrm>
-        <a:graphic>
-          <a:graphicData uri="http://schemas.openxmlformats.org/drawingml/2006/chart">
-            <c:chart xmlns:c="http://schemas.openxmlformats.org/drawingml/2006/chart" xmlns:r="http://schemas.openxmlformats.org/officeDocument/2006/relationships" r:id="rId2"/>
-          </a:graphicData>
-        </a:graphic>
-      </p:graphicFrame>
     </p:spTree>
   </p:cSld>
   <p:clrMapOvr>
@@ -40852,12 +41070,12 @@
       </p:grpSpPr>
       <p:sp>
         <p:nvSpPr>
-          <p:cNvPr id="57346" name="Rectangle 4"/>
+          <p:cNvPr id="24578" name="Rectangle 2"/>
           <p:cNvSpPr>
             <a:spLocks noGrp="1" noChangeArrowheads="1"/>
           </p:cNvSpPr>
           <p:nvPr>
-            <p:ph type="ctrTitle"/>
+            <p:ph type="title"/>
           </p:nvPr>
         </p:nvSpPr>
         <p:spPr/>
@@ -40865,14 +41083,56 @@
           <a:bodyPr/>
           <a:lstStyle/>
           <a:p>
-            <a:pPr eaLnBrk="1" hangingPunct="1"/>
-            <a:r>
-              <a:rPr lang="en-US" i="1" dirty="0" smtClean="0"/>
-              <a:t>Policy goals and responses</a:t>
-            </a:r>
-          </a:p>
-        </p:txBody>
-      </p:sp>
+            <a:pPr algn="l" eaLnBrk="1" hangingPunct="1"/>
+            <a:r>
+              <a:rPr lang="en-US" dirty="0" smtClean="0"/>
+              <a:t>Inflation and growth </a:t>
+            </a:r>
+          </a:p>
+        </p:txBody>
+      </p:sp>
+      <p:sp>
+        <p:nvSpPr>
+          <p:cNvPr id="24580" name="Slide Number Placeholder 5"/>
+          <p:cNvSpPr>
+            <a:spLocks noGrp="1"/>
+          </p:cNvSpPr>
+          <p:nvPr>
+            <p:ph type="sldNum" sz="quarter" idx="12"/>
+          </p:nvPr>
+        </p:nvSpPr>
+        <p:spPr>
+          <a:noFill/>
+        </p:spPr>
+        <p:txBody>
+          <a:bodyPr/>
+          <a:lstStyle/>
+          <a:p>
+            <a:fld id="{DB112A8C-B14B-43CD-A323-93992F50384C}" type="slidenum">
+              <a:rPr lang="en-US" smtClean="0"/>
+              <a:pPr/>
+              <a:t>88</a:t>
+            </a:fld>
+            <a:endParaRPr lang="en-US" smtClean="0"/>
+          </a:p>
+        </p:txBody>
+      </p:sp>
+      <p:graphicFrame>
+        <p:nvGraphicFramePr>
+          <p:cNvPr id="6" name="Chart 5"/>
+          <p:cNvGraphicFramePr/>
+          <p:nvPr/>
+        </p:nvGraphicFramePr>
+        <p:xfrm>
+          <a:off x="685800" y="1295400"/>
+          <a:ext cx="7620000" cy="4800600"/>
+        </p:xfrm>
+        <a:graphic>
+          <a:graphicData uri="http://schemas.openxmlformats.org/drawingml/2006/chart">
+            <c:chart xmlns:c="http://schemas.openxmlformats.org/drawingml/2006/chart" xmlns:r="http://schemas.openxmlformats.org/officeDocument/2006/relationships" r:id="rId2"/>
+          </a:graphicData>
+        </a:graphic>
+      </p:graphicFrame>
     </p:spTree>
   </p:cSld>
   <p:clrMapOvr>
@@ -40907,12 +41167,12 @@
       </p:grpSpPr>
       <p:sp>
         <p:nvSpPr>
-          <p:cNvPr id="24578" name="Rectangle 2"/>
+          <p:cNvPr id="57346" name="Rectangle 4"/>
           <p:cNvSpPr>
             <a:spLocks noGrp="1" noChangeArrowheads="1"/>
           </p:cNvSpPr>
           <p:nvPr>
-            <p:ph type="title"/>
+            <p:ph type="ctrTitle"/>
           </p:nvPr>
         </p:nvSpPr>
         <p:spPr/>
@@ -40920,102 +41180,11 @@
           <a:bodyPr/>
           <a:lstStyle/>
           <a:p>
-            <a:pPr algn="l" eaLnBrk="1" hangingPunct="1"/>
-            <a:r>
-              <a:rPr lang="en-US" dirty="0" smtClean="0"/>
-              <a:t>Policy goals and responses </a:t>
-            </a:r>
-          </a:p>
-        </p:txBody>
-      </p:sp>
-      <p:sp>
-        <p:nvSpPr>
-          <p:cNvPr id="24579" name="Rectangle 3"/>
-          <p:cNvSpPr>
-            <a:spLocks noGrp="1" noChangeArrowheads="1"/>
-          </p:cNvSpPr>
-          <p:nvPr>
-            <p:ph type="body" idx="1"/>
-          </p:nvPr>
-        </p:nvSpPr>
-        <p:spPr>
-          <a:xfrm>
-            <a:off x="457200" y="1524000"/>
-            <a:ext cx="8458200" cy="4525963"/>
-          </a:xfrm>
-        </p:spPr>
-        <p:txBody>
-          <a:bodyPr/>
-          <a:lstStyle/>
-          <a:p>
-            <a:pPr eaLnBrk="1" hangingPunct="1">
-              <a:spcBef>
-                <a:spcPct val="50000"/>
-              </a:spcBef>
-            </a:pPr>
-            <a:r>
-              <a:rPr lang="en-US" sz="2400" dirty="0" smtClean="0"/>
-              <a:t>The idea</a:t>
-            </a:r>
-          </a:p>
-          <a:p>
-            <a:pPr lvl="1" eaLnBrk="1" hangingPunct="1">
-              <a:spcBef>
-                <a:spcPct val="50000"/>
-              </a:spcBef>
-            </a:pPr>
-            <a:r>
-              <a:rPr lang="en-US" sz="2000" dirty="0" smtClean="0"/>
-              <a:t>Monetary policy should respond differently to changes in output that result from supply and demand shifts</a:t>
-            </a:r>
-          </a:p>
-          <a:p>
-            <a:pPr lvl="1" eaLnBrk="1" hangingPunct="1">
-              <a:spcBef>
-                <a:spcPct val="50000"/>
-              </a:spcBef>
-            </a:pPr>
-            <a:r>
-              <a:rPr lang="en-US" sz="2000" dirty="0" smtClean="0"/>
-              <a:t>Accommodate one, offset the other </a:t>
-            </a:r>
-          </a:p>
-          <a:p>
-            <a:pPr lvl="1" eaLnBrk="1" hangingPunct="1">
-              <a:spcBef>
-                <a:spcPct val="50000"/>
-              </a:spcBef>
-            </a:pPr>
-            <a:r>
-              <a:rPr lang="en-US" sz="2000" dirty="0" smtClean="0"/>
-              <a:t>Intuitive only when you understand it – not before!  </a:t>
-            </a:r>
-          </a:p>
-        </p:txBody>
-      </p:sp>
-      <p:sp>
-        <p:nvSpPr>
-          <p:cNvPr id="24580" name="Slide Number Placeholder 5"/>
-          <p:cNvSpPr>
-            <a:spLocks noGrp="1"/>
-          </p:cNvSpPr>
-          <p:nvPr>
-            <p:ph type="sldNum" sz="quarter" idx="12"/>
-          </p:nvPr>
-        </p:nvSpPr>
-        <p:spPr>
-          <a:noFill/>
-        </p:spPr>
-        <p:txBody>
-          <a:bodyPr/>
-          <a:lstStyle/>
-          <a:p>
-            <a:fld id="{DB112A8C-B14B-43CD-A323-93992F50384C}" type="slidenum">
-              <a:rPr lang="en-US" smtClean="0"/>
-              <a:pPr/>
-              <a:t>89</a:t>
-            </a:fld>
-            <a:endParaRPr lang="en-US" smtClean="0"/>
+            <a:pPr eaLnBrk="1" hangingPunct="1"/>
+            <a:r>
+              <a:rPr lang="en-US" i="1" dirty="0" smtClean="0"/>
+              <a:t>Policy goals and responses</a:t>
+            </a:r>
           </a:p>
         </p:txBody>
       </p:sp>
@@ -41445,7 +41614,7 @@
             </a:pPr>
             <a:r>
               <a:rPr lang="en-US" sz="2400" dirty="0" smtClean="0"/>
-              <a:t>What are our policy goals?  </a:t>
+              <a:t>The idea</a:t>
             </a:r>
           </a:p>
           <a:p>
@@ -41456,7 +41625,7 @@
             </a:pPr>
             <a:r>
               <a:rPr lang="en-US" sz="2000" dirty="0" smtClean="0"/>
-              <a:t>Low inflation or stable prices  [why?]  </a:t>
+              <a:t>Monetary policy should respond differently to changes in output that result from supply and demand shifts</a:t>
             </a:r>
           </a:p>
           <a:p>
@@ -41467,18 +41636,7 @@
             </a:pPr>
             <a:r>
               <a:rPr lang="en-US" sz="2000" dirty="0" smtClean="0"/>
-              <a:t>Output at or near Y* [invisible hand again]</a:t>
-            </a:r>
-          </a:p>
-          <a:p>
-            <a:pPr eaLnBrk="1" hangingPunct="1">
-              <a:spcBef>
-                <a:spcPct val="50000"/>
-              </a:spcBef>
-            </a:pPr>
-            <a:r>
-              <a:rPr lang="en-US" sz="2400" dirty="0" smtClean="0"/>
-              <a:t>How would we reach them?  </a:t>
+              <a:t>Accommodate one, offset the other </a:t>
             </a:r>
           </a:p>
           <a:p>
@@ -41489,18 +41647,7 @@
             </a:pPr>
             <a:r>
               <a:rPr lang="en-US" sz="2000" dirty="0" smtClean="0"/>
-              <a:t>Typically monetary policy, which shifts AD </a:t>
-            </a:r>
-          </a:p>
-          <a:p>
-            <a:pPr lvl="1" eaLnBrk="1" hangingPunct="1">
-              <a:spcBef>
-                <a:spcPct val="50000"/>
-              </a:spcBef>
-            </a:pPr>
-            <a:r>
-              <a:rPr lang="en-US" sz="2000" dirty="0" smtClean="0"/>
-              <a:t>Could use fiscal policy, too, but it takes longer to implement</a:t>
+              <a:t>Intuitive only when you understand it – not before!  </a:t>
             </a:r>
           </a:p>
         </p:txBody>
@@ -41547,6 +41694,174 @@
 </file>
 
 <file path=ppt/slides/slide91.xml><?xml version="1.0" encoding="utf-8"?>
+<p:sld xmlns:a="http://schemas.openxmlformats.org/drawingml/2006/main" xmlns:r="http://schemas.openxmlformats.org/officeDocument/2006/relationships" xmlns:p="http://schemas.openxmlformats.org/presentationml/2006/main">
+  <p:cSld>
+    <p:spTree>
+      <p:nvGrpSpPr>
+        <p:cNvPr id="1" name=""/>
+        <p:cNvGrpSpPr/>
+        <p:nvPr/>
+      </p:nvGrpSpPr>
+      <p:grpSpPr>
+        <a:xfrm>
+          <a:off x="0" y="0"/>
+          <a:ext cx="0" cy="0"/>
+          <a:chOff x="0" y="0"/>
+          <a:chExt cx="0" cy="0"/>
+        </a:xfrm>
+      </p:grpSpPr>
+      <p:sp>
+        <p:nvSpPr>
+          <p:cNvPr id="24578" name="Rectangle 2"/>
+          <p:cNvSpPr>
+            <a:spLocks noGrp="1" noChangeArrowheads="1"/>
+          </p:cNvSpPr>
+          <p:nvPr>
+            <p:ph type="title"/>
+          </p:nvPr>
+        </p:nvSpPr>
+        <p:spPr/>
+        <p:txBody>
+          <a:bodyPr/>
+          <a:lstStyle/>
+          <a:p>
+            <a:pPr algn="l" eaLnBrk="1" hangingPunct="1"/>
+            <a:r>
+              <a:rPr lang="en-US" dirty="0" smtClean="0"/>
+              <a:t>Policy goals and responses </a:t>
+            </a:r>
+          </a:p>
+        </p:txBody>
+      </p:sp>
+      <p:sp>
+        <p:nvSpPr>
+          <p:cNvPr id="24579" name="Rectangle 3"/>
+          <p:cNvSpPr>
+            <a:spLocks noGrp="1" noChangeArrowheads="1"/>
+          </p:cNvSpPr>
+          <p:nvPr>
+            <p:ph type="body" idx="1"/>
+          </p:nvPr>
+        </p:nvSpPr>
+        <p:spPr>
+          <a:xfrm>
+            <a:off x="457200" y="1524000"/>
+            <a:ext cx="8458200" cy="4525963"/>
+          </a:xfrm>
+        </p:spPr>
+        <p:txBody>
+          <a:bodyPr/>
+          <a:lstStyle/>
+          <a:p>
+            <a:pPr eaLnBrk="1" hangingPunct="1">
+              <a:spcBef>
+                <a:spcPct val="50000"/>
+              </a:spcBef>
+            </a:pPr>
+            <a:r>
+              <a:rPr lang="en-US" sz="2400" dirty="0" smtClean="0"/>
+              <a:t>What are our policy goals?  </a:t>
+            </a:r>
+          </a:p>
+          <a:p>
+            <a:pPr lvl="1" eaLnBrk="1" hangingPunct="1">
+              <a:spcBef>
+                <a:spcPct val="50000"/>
+              </a:spcBef>
+            </a:pPr>
+            <a:r>
+              <a:rPr lang="en-US" sz="2000" dirty="0" smtClean="0"/>
+              <a:t>Low inflation or stable prices  [why?]  </a:t>
+            </a:r>
+          </a:p>
+          <a:p>
+            <a:pPr lvl="1" eaLnBrk="1" hangingPunct="1">
+              <a:spcBef>
+                <a:spcPct val="50000"/>
+              </a:spcBef>
+            </a:pPr>
+            <a:r>
+              <a:rPr lang="en-US" sz="2000" dirty="0" smtClean="0"/>
+              <a:t>Output at or near Y* [invisible hand again]</a:t>
+            </a:r>
+          </a:p>
+          <a:p>
+            <a:pPr eaLnBrk="1" hangingPunct="1">
+              <a:spcBef>
+                <a:spcPct val="50000"/>
+              </a:spcBef>
+            </a:pPr>
+            <a:r>
+              <a:rPr lang="en-US" sz="2400" dirty="0" smtClean="0"/>
+              <a:t>How would we reach them?  </a:t>
+            </a:r>
+          </a:p>
+          <a:p>
+            <a:pPr lvl="1" eaLnBrk="1" hangingPunct="1">
+              <a:spcBef>
+                <a:spcPct val="50000"/>
+              </a:spcBef>
+            </a:pPr>
+            <a:r>
+              <a:rPr lang="en-US" sz="2000" dirty="0" smtClean="0"/>
+              <a:t>Typically monetary policy, which shifts AD </a:t>
+            </a:r>
+          </a:p>
+          <a:p>
+            <a:pPr lvl="1" eaLnBrk="1" hangingPunct="1">
+              <a:spcBef>
+                <a:spcPct val="50000"/>
+              </a:spcBef>
+            </a:pPr>
+            <a:r>
+              <a:rPr lang="en-US" sz="2000" dirty="0" smtClean="0"/>
+              <a:t>Could use fiscal policy, too, but it takes longer to implement</a:t>
+            </a:r>
+          </a:p>
+        </p:txBody>
+      </p:sp>
+      <p:sp>
+        <p:nvSpPr>
+          <p:cNvPr id="24580" name="Slide Number Placeholder 5"/>
+          <p:cNvSpPr>
+            <a:spLocks noGrp="1"/>
+          </p:cNvSpPr>
+          <p:nvPr>
+            <p:ph type="sldNum" sz="quarter" idx="12"/>
+          </p:nvPr>
+        </p:nvSpPr>
+        <p:spPr>
+          <a:noFill/>
+        </p:spPr>
+        <p:txBody>
+          <a:bodyPr/>
+          <a:lstStyle/>
+          <a:p>
+            <a:fld id="{DB112A8C-B14B-43CD-A323-93992F50384C}" type="slidenum">
+              <a:rPr lang="en-US" smtClean="0"/>
+              <a:pPr/>
+              <a:t>91</a:t>
+            </a:fld>
+            <a:endParaRPr lang="en-US" smtClean="0"/>
+          </a:p>
+        </p:txBody>
+      </p:sp>
+    </p:spTree>
+  </p:cSld>
+  <p:clrMapOvr>
+    <a:masterClrMapping/>
+  </p:clrMapOvr>
+  <p:timing>
+    <p:tnLst>
+      <p:par>
+        <p:cTn id="1" dur="indefinite" restart="never" nodeType="tmRoot"/>
+      </p:par>
+    </p:tnLst>
+  </p:timing>
+</p:sld>
+</file>
+
+<file path=ppt/slides/slide92.xml><?xml version="1.0" encoding="utf-8"?>
 <p:sld xmlns:a="http://schemas.openxmlformats.org/drawingml/2006/main" xmlns:r="http://schemas.openxmlformats.org/officeDocument/2006/relationships" xmlns:p="http://schemas.openxmlformats.org/presentationml/2006/main">
   <p:cSld>
     <p:spTree>
@@ -42026,7 +42341,7 @@
             <a:fld id="{739A7EED-A3DF-4D52-B213-E231D2EC4DA5}" type="slidenum">
               <a:rPr lang="en-US" smtClean="0"/>
               <a:pPr/>
-              <a:t>91</a:t>
+              <a:t>92</a:t>
             </a:fld>
             <a:endParaRPr lang="en-US" smtClean="0"/>
           </a:p>
@@ -42182,7 +42497,7 @@
 </p:sld>
 </file>
 
-<file path=ppt/slides/slide92.xml><?xml version="1.0" encoding="utf-8"?>
+<file path=ppt/slides/slide93.xml><?xml version="1.0" encoding="utf-8"?>
 <p:sld xmlns:a="http://schemas.openxmlformats.org/drawingml/2006/main" xmlns:r="http://schemas.openxmlformats.org/officeDocument/2006/relationships" xmlns:p="http://schemas.openxmlformats.org/presentationml/2006/main">
   <p:cSld>
     <p:spTree>
@@ -42296,7 +42611,7 @@
             <a:fld id="{DB112A8C-B14B-43CD-A323-93992F50384C}" type="slidenum">
               <a:rPr lang="en-US" smtClean="0"/>
               <a:pPr/>
-              <a:t>92</a:t>
+              <a:t>93</a:t>
             </a:fld>
             <a:endParaRPr lang="en-US" smtClean="0"/>
           </a:p>
@@ -42317,7 +42632,7 @@
 </p:sld>
 </file>
 
-<file path=ppt/slides/slide93.xml><?xml version="1.0" encoding="utf-8"?>
+<file path=ppt/slides/slide94.xml><?xml version="1.0" encoding="utf-8"?>
 <p:sld xmlns:a="http://schemas.openxmlformats.org/drawingml/2006/main" xmlns:r="http://schemas.openxmlformats.org/officeDocument/2006/relationships" xmlns:p="http://schemas.openxmlformats.org/presentationml/2006/main">
   <p:cSld>
     <p:spTree>
@@ -42797,7 +43112,7 @@
             <a:fld id="{739A7EED-A3DF-4D52-B213-E231D2EC4DA5}" type="slidenum">
               <a:rPr lang="en-US" smtClean="0"/>
               <a:pPr/>
-              <a:t>93</a:t>
+              <a:t>94</a:t>
             </a:fld>
             <a:endParaRPr lang="en-US" smtClean="0"/>
           </a:p>
@@ -43069,7 +43384,7 @@
 </p:sld>
 </file>
 
-<file path=ppt/slides/slide94.xml><?xml version="1.0" encoding="utf-8"?>
+<file path=ppt/slides/slide95.xml><?xml version="1.0" encoding="utf-8"?>
 <p:sld xmlns:a="http://schemas.openxmlformats.org/drawingml/2006/main" xmlns:r="http://schemas.openxmlformats.org/officeDocument/2006/relationships" xmlns:p="http://schemas.openxmlformats.org/presentationml/2006/main">
   <p:cSld>
     <p:spTree>
@@ -43183,7 +43498,7 @@
             <a:fld id="{DB112A8C-B14B-43CD-A323-93992F50384C}" type="slidenum">
               <a:rPr lang="en-US" smtClean="0"/>
               <a:pPr/>
-              <a:t>94</a:t>
+              <a:t>95</a:t>
             </a:fld>
             <a:endParaRPr lang="en-US" smtClean="0"/>
           </a:p>
@@ -43204,7 +43519,7 @@
 </p:sld>
 </file>
 
-<file path=ppt/slides/slide95.xml><?xml version="1.0" encoding="utf-8"?>
+<file path=ppt/slides/slide96.xml><?xml version="1.0" encoding="utf-8"?>
 <p:sld xmlns:a="http://schemas.openxmlformats.org/drawingml/2006/main" xmlns:r="http://schemas.openxmlformats.org/officeDocument/2006/relationships" xmlns:p="http://schemas.openxmlformats.org/presentationml/2006/main">
   <p:cSld>
     <p:spTree>
@@ -43684,7 +43999,7 @@
             <a:fld id="{739A7EED-A3DF-4D52-B213-E231D2EC4DA5}" type="slidenum">
               <a:rPr lang="en-US" smtClean="0"/>
               <a:pPr/>
-              <a:t>95</a:t>
+              <a:t>96</a:t>
             </a:fld>
             <a:endParaRPr lang="en-US" smtClean="0"/>
           </a:p>
@@ -43956,7 +44271,7 @@
 </p:sld>
 </file>
 
-<file path=ppt/slides/slide96.xml><?xml version="1.0" encoding="utf-8"?>
+<file path=ppt/slides/slide97.xml><?xml version="1.0" encoding="utf-8"?>
 <p:sld xmlns:a="http://schemas.openxmlformats.org/drawingml/2006/main" xmlns:r="http://schemas.openxmlformats.org/officeDocument/2006/relationships" xmlns:p="http://schemas.openxmlformats.org/presentationml/2006/main">
   <p:cSld>
     <p:spTree>
@@ -44070,7 +44385,7 @@
             <a:fld id="{DB112A8C-B14B-43CD-A323-93992F50384C}" type="slidenum">
               <a:rPr lang="en-US" smtClean="0"/>
               <a:pPr/>
-              <a:t>96</a:t>
+              <a:t>97</a:t>
             </a:fld>
             <a:endParaRPr lang="en-US" smtClean="0"/>
           </a:p>
@@ -44091,7 +44406,7 @@
 </p:sld>
 </file>
 
-<file path=ppt/slides/slide97.xml><?xml version="1.0" encoding="utf-8"?>
+<file path=ppt/slides/slide98.xml><?xml version="1.0" encoding="utf-8"?>
 <p:sld xmlns:a="http://schemas.openxmlformats.org/drawingml/2006/main" xmlns:r="http://schemas.openxmlformats.org/officeDocument/2006/relationships" xmlns:p="http://schemas.openxmlformats.org/presentationml/2006/main">
   <p:cSld>
     <p:spTree>
@@ -44571,7 +44886,7 @@
             <a:fld id="{739A7EED-A3DF-4D52-B213-E231D2EC4DA5}" type="slidenum">
               <a:rPr lang="en-US" smtClean="0"/>
               <a:pPr/>
-              <a:t>97</a:t>
+              <a:t>98</a:t>
             </a:fld>
             <a:endParaRPr lang="en-US" smtClean="0"/>
           </a:p>
@@ -45001,141 +45316,6 @@
 </p:sld>
 </file>
 
-<file path=ppt/slides/slide98.xml><?xml version="1.0" encoding="utf-8"?>
-<p:sld xmlns:a="http://schemas.openxmlformats.org/drawingml/2006/main" xmlns:r="http://schemas.openxmlformats.org/officeDocument/2006/relationships" xmlns:p="http://schemas.openxmlformats.org/presentationml/2006/main">
-  <p:cSld>
-    <p:spTree>
-      <p:nvGrpSpPr>
-        <p:cNvPr id="1" name=""/>
-        <p:cNvGrpSpPr/>
-        <p:nvPr/>
-      </p:nvGrpSpPr>
-      <p:grpSpPr>
-        <a:xfrm>
-          <a:off x="0" y="0"/>
-          <a:ext cx="0" cy="0"/>
-          <a:chOff x="0" y="0"/>
-          <a:chExt cx="0" cy="0"/>
-        </a:xfrm>
-      </p:grpSpPr>
-      <p:sp>
-        <p:nvSpPr>
-          <p:cNvPr id="24578" name="Rectangle 2"/>
-          <p:cNvSpPr>
-            <a:spLocks noGrp="1" noChangeArrowheads="1"/>
-          </p:cNvSpPr>
-          <p:nvPr>
-            <p:ph type="title"/>
-          </p:nvPr>
-        </p:nvSpPr>
-        <p:spPr/>
-        <p:txBody>
-          <a:bodyPr/>
-          <a:lstStyle/>
-          <a:p>
-            <a:pPr algn="l" eaLnBrk="1" hangingPunct="1"/>
-            <a:r>
-              <a:rPr lang="en-US" dirty="0" smtClean="0"/>
-              <a:t>Policy goals and responses </a:t>
-            </a:r>
-          </a:p>
-        </p:txBody>
-      </p:sp>
-      <p:sp>
-        <p:nvSpPr>
-          <p:cNvPr id="24579" name="Rectangle 3"/>
-          <p:cNvSpPr>
-            <a:spLocks noGrp="1" noChangeArrowheads="1"/>
-          </p:cNvSpPr>
-          <p:nvPr>
-            <p:ph type="body" idx="1"/>
-          </p:nvPr>
-        </p:nvSpPr>
-        <p:spPr>
-          <a:xfrm>
-            <a:off x="457200" y="1524000"/>
-            <a:ext cx="8458200" cy="4525963"/>
-          </a:xfrm>
-        </p:spPr>
-        <p:txBody>
-          <a:bodyPr/>
-          <a:lstStyle/>
-          <a:p>
-            <a:pPr eaLnBrk="1" hangingPunct="1">
-              <a:spcBef>
-                <a:spcPct val="50000"/>
-              </a:spcBef>
-            </a:pPr>
-            <a:r>
-              <a:rPr lang="en-US" sz="2400" dirty="0" smtClean="0"/>
-              <a:t>How should we respond to a demand shift? </a:t>
-            </a:r>
-          </a:p>
-          <a:p>
-            <a:pPr lvl="1" eaLnBrk="1" hangingPunct="1">
-              <a:spcBef>
-                <a:spcPct val="50000"/>
-              </a:spcBef>
-            </a:pPr>
-            <a:r>
-              <a:rPr lang="en-US" sz="2000" dirty="0" smtClean="0"/>
-              <a:t>Reverse it:  use (say) monetary policy to shift demand back to A</a:t>
-            </a:r>
-          </a:p>
-          <a:p>
-            <a:pPr eaLnBrk="1" hangingPunct="1">
-              <a:spcBef>
-                <a:spcPct val="50000"/>
-              </a:spcBef>
-            </a:pPr>
-            <a:r>
-              <a:rPr lang="en-US" sz="2400" dirty="0" smtClean="0"/>
-              <a:t>Does this make sense to you?  </a:t>
-            </a:r>
-          </a:p>
-        </p:txBody>
-      </p:sp>
-      <p:sp>
-        <p:nvSpPr>
-          <p:cNvPr id="24580" name="Slide Number Placeholder 5"/>
-          <p:cNvSpPr>
-            <a:spLocks noGrp="1"/>
-          </p:cNvSpPr>
-          <p:nvPr>
-            <p:ph type="sldNum" sz="quarter" idx="12"/>
-          </p:nvPr>
-        </p:nvSpPr>
-        <p:spPr>
-          <a:noFill/>
-        </p:spPr>
-        <p:txBody>
-          <a:bodyPr/>
-          <a:lstStyle/>
-          <a:p>
-            <a:fld id="{DB112A8C-B14B-43CD-A323-93992F50384C}" type="slidenum">
-              <a:rPr lang="en-US" smtClean="0"/>
-              <a:pPr/>
-              <a:t>98</a:t>
-            </a:fld>
-            <a:endParaRPr lang="en-US" smtClean="0"/>
-          </a:p>
-        </p:txBody>
-      </p:sp>
-    </p:spTree>
-  </p:cSld>
-  <p:clrMapOvr>
-    <a:masterClrMapping/>
-  </p:clrMapOvr>
-  <p:timing>
-    <p:tnLst>
-      <p:par>
-        <p:cTn id="1" dur="indefinite" restart="never" nodeType="tmRoot"/>
-      </p:par>
-    </p:tnLst>
-  </p:timing>
-</p:sld>
-</file>
-
 <file path=ppt/slides/slide99.xml><?xml version="1.0" encoding="utf-8"?>
 <p:sld xmlns:a="http://schemas.openxmlformats.org/drawingml/2006/main" xmlns:r="http://schemas.openxmlformats.org/officeDocument/2006/relationships" xmlns:p="http://schemas.openxmlformats.org/presentationml/2006/main">
   <p:cSld>
@@ -45203,7 +45383,18 @@
             </a:pPr>
             <a:r>
               <a:rPr lang="en-US" sz="2400" dirty="0" smtClean="0"/>
-              <a:t>Now do the same thing with supply shifts</a:t>
+              <a:t>How should we respond to a demand shift? </a:t>
+            </a:r>
+          </a:p>
+          <a:p>
+            <a:pPr lvl="1" eaLnBrk="1" hangingPunct="1">
+              <a:spcBef>
+                <a:spcPct val="50000"/>
+              </a:spcBef>
+            </a:pPr>
+            <a:r>
+              <a:rPr lang="en-US" sz="2000" dirty="0" smtClean="0"/>
+              <a:t>Reverse it:  use (say) monetary policy to shift demand back to A</a:t>
             </a:r>
           </a:p>
           <a:p>
@@ -45214,40 +45405,7 @@
             </a:pPr>
             <a:r>
               <a:rPr lang="en-US" sz="2400" dirty="0" smtClean="0"/>
-              <a:t>Same logic, but keep your eyes open for something new </a:t>
-            </a:r>
-          </a:p>
-          <a:p>
-            <a:pPr eaLnBrk="1" hangingPunct="1">
-              <a:spcBef>
-                <a:spcPct val="50000"/>
-              </a:spcBef>
-            </a:pPr>
-            <a:r>
-              <a:rPr lang="en-US" sz="2400" dirty="0" smtClean="0"/>
-              <a:t>What happens if supply shifts right? </a:t>
-            </a:r>
-          </a:p>
-          <a:p>
-            <a:pPr lvl="1" eaLnBrk="1" hangingPunct="1">
-              <a:spcBef>
-                <a:spcPct val="50000"/>
-              </a:spcBef>
-            </a:pPr>
-            <a:r>
-              <a:rPr lang="en-US" sz="2000" dirty="0" smtClean="0"/>
-              <a:t>What might do this?  </a:t>
-            </a:r>
-          </a:p>
-          <a:p>
-            <a:pPr lvl="1" eaLnBrk="1" hangingPunct="1">
-              <a:spcBef>
-                <a:spcPct val="50000"/>
-              </a:spcBef>
-            </a:pPr>
-            <a:r>
-              <a:rPr lang="en-US" sz="2000" dirty="0" smtClean="0"/>
-              <a:t>Are things better or worse? </a:t>
+              <a:t>Does this make sense to you?  </a:t>
             </a:r>
           </a:p>
         </p:txBody>

--- a/Slides/slides_asad_f13.pptx
+++ b/Slides/slides_asad_f13.pptx
@@ -271,7 +271,7 @@
   </p:defaultTextStyle>
   <p:extLst>
     <p:ext uri="{EFAFB233-063F-42B5-8137-9DF3F51BA10A}">
-      <p15:sldGuideLst xmlns:p15="http://schemas.microsoft.com/office/powerpoint/2012/main" xmlns="">
+      <p15:sldGuideLst xmlns="" xmlns:p15="http://schemas.microsoft.com/office/powerpoint/2012/main">
         <p15:guide id="1" orient="horz" pos="2160">
           <p15:clr>
             <a:srgbClr val="A4A3A4"/>
@@ -1622,11 +1622,11 @@
           <c:showPercent val="0"/>
           <c:showBubbleSize val="0"/>
         </c:dLbls>
-        <c:axId val="80591488"/>
-        <c:axId val="80601856"/>
+        <c:axId val="38860288"/>
+        <c:axId val="38862208"/>
       </c:scatterChart>
       <c:valAx>
-        <c:axId val="80591488"/>
+        <c:axId val="38860288"/>
         <c:scaling>
           <c:orientation val="minMax"/>
         </c:scaling>
@@ -1636,12 +1636,12 @@
         <c:majorTickMark val="out"/>
         <c:minorTickMark val="none"/>
         <c:tickLblPos val="nextTo"/>
-        <c:crossAx val="80601856"/>
+        <c:crossAx val="38862208"/>
         <c:crossesAt val="0"/>
         <c:crossBetween val="midCat"/>
       </c:valAx>
       <c:valAx>
-        <c:axId val="80601856"/>
+        <c:axId val="38862208"/>
         <c:scaling>
           <c:orientation val="minMax"/>
         </c:scaling>
@@ -1652,7 +1652,7 @@
         <c:majorTickMark val="out"/>
         <c:minorTickMark val="none"/>
         <c:tickLblPos val="low"/>
-        <c:crossAx val="80591488"/>
+        <c:crossAx val="38860288"/>
         <c:crosses val="autoZero"/>
         <c:crossBetween val="midCat"/>
       </c:valAx>
@@ -6168,38 +6168,6 @@
       </p:sp>
       <p:pic>
         <p:nvPicPr>
-          <p:cNvPr id="3075" name="Picture 4" descr="Logo3"/>
-          <p:cNvPicPr>
-            <a:picLocks noChangeAspect="1" noChangeArrowheads="1"/>
-          </p:cNvPicPr>
-          <p:nvPr/>
-        </p:nvPicPr>
-        <p:blipFill>
-          <a:blip r:embed="rId3"/>
-          <a:srcRect/>
-          <a:stretch>
-            <a:fillRect/>
-          </a:stretch>
-        </p:blipFill>
-        <p:spPr bwMode="auto">
-          <a:xfrm>
-            <a:off x="3048000" y="5867400"/>
-            <a:ext cx="2209800" cy="465138"/>
-          </a:xfrm>
-          <a:prstGeom prst="rect">
-            <a:avLst/>
-          </a:prstGeom>
-          <a:noFill/>
-          <a:ln w="9525">
-            <a:noFill/>
-            <a:miter lim="800000"/>
-            <a:headEnd/>
-            <a:tailEnd/>
-          </a:ln>
-        </p:spPr>
-      </p:pic>
-      <p:pic>
-        <p:nvPicPr>
           <p:cNvPr id="4" name="Picture 3"/>
           <p:cNvPicPr>
             <a:picLocks noChangeAspect="1"/>
@@ -6207,7 +6175,7 @@
           <p:nvPr/>
         </p:nvPicPr>
         <p:blipFill>
-          <a:blip r:embed="rId4">
+          <a:blip r:embed="rId3">
             <a:extLst>
               <a:ext uri="{28A0092B-C50C-407E-A947-70E740481C1C}">
                 <a14:useLocalDpi xmlns:a14="http://schemas.microsoft.com/office/drawing/2010/main" val="0"/>
@@ -38984,13 +38952,7 @@
               <a:rPr lang="en-US" sz="2400">
                 <a:hlinkClick r:id="rId2"/>
               </a:rPr>
-              <a:t>http</a:t>
-            </a:r>
-            <a:r>
-              <a:rPr lang="en-US" sz="2400">
-                <a:hlinkClick r:id="rId2"/>
-              </a:rPr>
-              <a:t>://</a:t>
+              <a:t>http://</a:t>
             </a:r>
             <a:r>
               <a:rPr lang="en-US" sz="2400" smtClean="0">
